--- a/Doc/Presentation/プロジェクト概要.pptx
+++ b/Doc/Presentation/プロジェクト概要.pptx
@@ -5,10 +5,10 @@
     <p:sldMasterId id="2147483697" r:id="rId1"/>
   </p:sldMasterIdLst>
   <p:notesMasterIdLst>
-    <p:notesMasterId r:id="rId21"/>
+    <p:notesMasterId r:id="rId23"/>
   </p:notesMasterIdLst>
   <p:handoutMasterIdLst>
-    <p:handoutMasterId r:id="rId22"/>
+    <p:handoutMasterId r:id="rId24"/>
   </p:handoutMasterIdLst>
   <p:sldIdLst>
     <p:sldId id="380" r:id="rId2"/>
@@ -18,18 +18,20 @@
     <p:sldId id="383" r:id="rId6"/>
     <p:sldId id="384" r:id="rId7"/>
     <p:sldId id="385" r:id="rId8"/>
-    <p:sldId id="386" r:id="rId9"/>
-    <p:sldId id="387" r:id="rId10"/>
-    <p:sldId id="388" r:id="rId11"/>
-    <p:sldId id="401" r:id="rId12"/>
-    <p:sldId id="392" r:id="rId13"/>
-    <p:sldId id="397" r:id="rId14"/>
-    <p:sldId id="398" r:id="rId15"/>
-    <p:sldId id="399" r:id="rId16"/>
-    <p:sldId id="393" r:id="rId17"/>
-    <p:sldId id="400" r:id="rId18"/>
-    <p:sldId id="389" r:id="rId19"/>
-    <p:sldId id="395" r:id="rId20"/>
+    <p:sldId id="402" r:id="rId9"/>
+    <p:sldId id="403" r:id="rId10"/>
+    <p:sldId id="386" r:id="rId11"/>
+    <p:sldId id="387" r:id="rId12"/>
+    <p:sldId id="388" r:id="rId13"/>
+    <p:sldId id="401" r:id="rId14"/>
+    <p:sldId id="392" r:id="rId15"/>
+    <p:sldId id="397" r:id="rId16"/>
+    <p:sldId id="398" r:id="rId17"/>
+    <p:sldId id="399" r:id="rId18"/>
+    <p:sldId id="393" r:id="rId19"/>
+    <p:sldId id="400" r:id="rId20"/>
+    <p:sldId id="389" r:id="rId21"/>
+    <p:sldId id="395" r:id="rId22"/>
   </p:sldIdLst>
   <p:sldSz cx="9144000" cy="5143500" type="screen16x9"/>
   <p:notesSz cx="6742113" cy="9872663"/>
@@ -173,7 +175,7 @@
 <file path=ppt/revisionInfo.xml><?xml version="1.0" encoding="utf-8"?>
 <p1510:revInfo xmlns:a="http://schemas.openxmlformats.org/drawingml/2006/main" xmlns:r="http://schemas.openxmlformats.org/officeDocument/2006/relationships" xmlns:p1510="http://schemas.microsoft.com/office/powerpoint/2015/10/main">
   <p1510:revLst>
-    <p1510:client id="{99540704-64AD-46B7-92B5-CF93B3BE39AA}" v="18" dt="2024-01-07T06:09:57.574"/>
+    <p1510:client id="{99540704-64AD-46B7-92B5-CF93B3BE39AA}" v="31" dt="2024-01-25T00:18:35.878"/>
   </p1510:revLst>
 </p1510:revInfo>
 </file>
@@ -1749,7 +1751,7 @@
   <pc:docChgLst>
     <pc:chgData name="り ぶ" userId="e79b0678f96bfbc0" providerId="LiveId" clId="{99540704-64AD-46B7-92B5-CF93B3BE39AA}"/>
     <pc:docChg chg="custSel addSld delSld modSld">
-      <pc:chgData name="り ぶ" userId="e79b0678f96bfbc0" providerId="LiveId" clId="{99540704-64AD-46B7-92B5-CF93B3BE39AA}" dt="2024-01-07T06:15:14.045" v="229" actId="2696"/>
+      <pc:chgData name="り ぶ" userId="e79b0678f96bfbc0" providerId="LiveId" clId="{99540704-64AD-46B7-92B5-CF93B3BE39AA}" dt="2024-01-25T00:18:35.877" v="356"/>
       <pc:docMkLst>
         <pc:docMk/>
       </pc:docMkLst>
@@ -1773,6 +1775,29 @@
             <pc:docMk/>
             <pc:sldMk cId="915836568" sldId="382"/>
             <ac:spMk id="4" creationId="{4F142E00-E156-308A-66D5-FCA64341C1B1}"/>
+          </ac:spMkLst>
+        </pc:spChg>
+      </pc:sldChg>
+      <pc:sldChg chg="modSp mod">
+        <pc:chgData name="り ぶ" userId="e79b0678f96bfbc0" providerId="LiveId" clId="{99540704-64AD-46B7-92B5-CF93B3BE39AA}" dt="2024-01-25T00:13:31.023" v="286" actId="20577"/>
+        <pc:sldMkLst>
+          <pc:docMk/>
+          <pc:sldMk cId="2803378345" sldId="384"/>
+        </pc:sldMkLst>
+        <pc:spChg chg="mod">
+          <ac:chgData name="り ぶ" userId="e79b0678f96bfbc0" providerId="LiveId" clId="{99540704-64AD-46B7-92B5-CF93B3BE39AA}" dt="2024-01-25T00:13:19.262" v="269"/>
+          <ac:spMkLst>
+            <pc:docMk/>
+            <pc:sldMk cId="2803378345" sldId="384"/>
+            <ac:spMk id="4" creationId="{234B2E61-2BE7-CB35-ED0D-AE083334140D}"/>
+          </ac:spMkLst>
+        </pc:spChg>
+        <pc:spChg chg="mod">
+          <ac:chgData name="り ぶ" userId="e79b0678f96bfbc0" providerId="LiveId" clId="{99540704-64AD-46B7-92B5-CF93B3BE39AA}" dt="2024-01-25T00:13:31.023" v="286" actId="20577"/>
+          <ac:spMkLst>
+            <pc:docMk/>
+            <pc:sldMk cId="2803378345" sldId="384"/>
+            <ac:spMk id="5" creationId="{8A3E470E-24FE-090E-D397-3F260E71FD41}"/>
           </ac:spMkLst>
         </pc:spChg>
       </pc:sldChg>
@@ -1903,6 +1928,21 @@
           </ac:picMkLst>
         </pc:picChg>
       </pc:sldChg>
+      <pc:sldChg chg="modSp mod">
+        <pc:chgData name="り ぶ" userId="e79b0678f96bfbc0" providerId="LiveId" clId="{99540704-64AD-46B7-92B5-CF93B3BE39AA}" dt="2024-01-25T00:14:19.614" v="330"/>
+        <pc:sldMkLst>
+          <pc:docMk/>
+          <pc:sldMk cId="525914061" sldId="386"/>
+        </pc:sldMkLst>
+        <pc:spChg chg="mod">
+          <ac:chgData name="り ぶ" userId="e79b0678f96bfbc0" providerId="LiveId" clId="{99540704-64AD-46B7-92B5-CF93B3BE39AA}" dt="2024-01-25T00:14:19.614" v="330"/>
+          <ac:spMkLst>
+            <pc:docMk/>
+            <pc:sldMk cId="525914061" sldId="386"/>
+            <ac:spMk id="16" creationId="{C892717E-B1F0-FC80-4BA7-B37C371695BF}"/>
+          </ac:spMkLst>
+        </pc:spChg>
+      </pc:sldChg>
       <pc:sldChg chg="del">
         <pc:chgData name="り ぶ" userId="e79b0678f96bfbc0" providerId="LiveId" clId="{99540704-64AD-46B7-92B5-CF93B3BE39AA}" dt="2024-01-07T06:15:14.045" v="229" actId="2696"/>
         <pc:sldMkLst>
@@ -1917,11 +1957,62 @@
           <pc:sldMk cId="3910922472" sldId="391"/>
         </pc:sldMkLst>
       </pc:sldChg>
+      <pc:sldChg chg="modSp mod">
+        <pc:chgData name="り ぶ" userId="e79b0678f96bfbc0" providerId="LiveId" clId="{99540704-64AD-46B7-92B5-CF93B3BE39AA}" dt="2024-01-25T00:16:23.711" v="351"/>
+        <pc:sldMkLst>
+          <pc:docMk/>
+          <pc:sldMk cId="1248543260" sldId="392"/>
+        </pc:sldMkLst>
+        <pc:spChg chg="mod">
+          <ac:chgData name="り ぶ" userId="e79b0678f96bfbc0" providerId="LiveId" clId="{99540704-64AD-46B7-92B5-CF93B3BE39AA}" dt="2024-01-25T00:16:23.711" v="351"/>
+          <ac:spMkLst>
+            <pc:docMk/>
+            <pc:sldMk cId="1248543260" sldId="392"/>
+            <ac:spMk id="2" creationId="{C038CE32-DF60-0EF3-6889-F390F2ED5AF1}"/>
+          </ac:spMkLst>
+        </pc:spChg>
+      </pc:sldChg>
       <pc:sldChg chg="add">
         <pc:chgData name="り ぶ" userId="e79b0678f96bfbc0" providerId="LiveId" clId="{99540704-64AD-46B7-92B5-CF93B3BE39AA}" dt="2024-01-07T06:09:57.572" v="227"/>
         <pc:sldMkLst>
           <pc:docMk/>
           <pc:sldMk cId="402782621" sldId="401"/>
+        </pc:sldMkLst>
+      </pc:sldChg>
+      <pc:sldChg chg="delSp add del mod">
+        <pc:chgData name="り ぶ" userId="e79b0678f96bfbc0" providerId="LiveId" clId="{99540704-64AD-46B7-92B5-CF93B3BE39AA}" dt="2024-01-25T00:18:30.854" v="355" actId="2696"/>
+        <pc:sldMkLst>
+          <pc:docMk/>
+          <pc:sldMk cId="929751347" sldId="402"/>
+        </pc:sldMkLst>
+        <pc:spChg chg="del">
+          <ac:chgData name="り ぶ" userId="e79b0678f96bfbc0" providerId="LiveId" clId="{99540704-64AD-46B7-92B5-CF93B3BE39AA}" dt="2024-01-25T00:16:04.111" v="332" actId="478"/>
+          <ac:spMkLst>
+            <pc:docMk/>
+            <pc:sldMk cId="929751347" sldId="402"/>
+            <ac:spMk id="20" creationId="{6B7CE074-8DF4-D104-2FD5-E444DC3F9EF4}"/>
+          </ac:spMkLst>
+        </pc:spChg>
+      </pc:sldChg>
+      <pc:sldChg chg="add">
+        <pc:chgData name="り ぶ" userId="e79b0678f96bfbc0" providerId="LiveId" clId="{99540704-64AD-46B7-92B5-CF93B3BE39AA}" dt="2024-01-25T00:18:35.877" v="356"/>
+        <pc:sldMkLst>
+          <pc:docMk/>
+          <pc:sldMk cId="2947577912" sldId="402"/>
+        </pc:sldMkLst>
+      </pc:sldChg>
+      <pc:sldChg chg="add">
+        <pc:chgData name="り ぶ" userId="e79b0678f96bfbc0" providerId="LiveId" clId="{99540704-64AD-46B7-92B5-CF93B3BE39AA}" dt="2024-01-25T00:18:25.652" v="354"/>
+        <pc:sldMkLst>
+          <pc:docMk/>
+          <pc:sldMk cId="262102596" sldId="403"/>
+        </pc:sldMkLst>
+      </pc:sldChg>
+      <pc:sldChg chg="add del">
+        <pc:chgData name="り ぶ" userId="e79b0678f96bfbc0" providerId="LiveId" clId="{99540704-64AD-46B7-92B5-CF93B3BE39AA}" dt="2024-01-25T00:18:21.135" v="353" actId="2696"/>
+        <pc:sldMkLst>
+          <pc:docMk/>
+          <pc:sldMk cId="1838657718" sldId="403"/>
         </pc:sldMkLst>
       </pc:sldChg>
     </pc:docChg>
@@ -1986,7 +2077,7 @@
           <a:p>
             <a:fld id="{389ACFA8-1AB5-47AD-8712-789ED582E266}" type="datetimeFigureOut">
               <a:rPr kumimoji="1" lang="ja-JP" altLang="en-US" smtClean="0"/>
-              <a:t>2024/1/7</a:t>
+              <a:t>2024/1/25</a:t>
             </a:fld>
             <a:endParaRPr kumimoji="1" lang="ja-JP" altLang="en-US"/>
           </a:p>
@@ -2115,7 +2206,7 @@
             <a:fld id="{49E156C8-D1E6-4437-B817-0C57EC289493}" type="datetimeFigureOut">
               <a:rPr kumimoji="1" lang="ja-JP" altLang="en-US" smtClean="0"/>
               <a:pPr/>
-              <a:t>2024/1/7</a:t>
+              <a:t>2024/1/25</a:t>
             </a:fld>
             <a:endParaRPr kumimoji="1" lang="ja-JP" altLang="en-US"/>
           </a:p>
@@ -2526,7 +2617,7 @@
             <a:fld id="{C0644275-5C74-4E59-8F01-9B0DD8D2F6FE}" type="slidenum">
               <a:rPr kumimoji="1" lang="ja-JP" altLang="en-US" smtClean="0"/>
               <a:pPr/>
-              <a:t>13</a:t>
+              <a:t>14</a:t>
             </a:fld>
             <a:endParaRPr kumimoji="1" lang="ja-JP" altLang="en-US" dirty="0"/>
           </a:p>
@@ -2535,7 +2626,7 @@
     </p:spTree>
     <p:extLst>
       <p:ext uri="{BB962C8B-B14F-4D97-AF65-F5344CB8AC3E}">
-        <p14:creationId xmlns:p14="http://schemas.microsoft.com/office/powerpoint/2010/main" val="1306671273"/>
+        <p14:creationId xmlns:p14="http://schemas.microsoft.com/office/powerpoint/2010/main" val="3476312613"/>
       </p:ext>
     </p:extLst>
   </p:cSld>
@@ -2611,7 +2702,7 @@
             <a:fld id="{C0644275-5C74-4E59-8F01-9B0DD8D2F6FE}" type="slidenum">
               <a:rPr kumimoji="1" lang="ja-JP" altLang="en-US" smtClean="0"/>
               <a:pPr/>
-              <a:t>14</a:t>
+              <a:t>15</a:t>
             </a:fld>
             <a:endParaRPr kumimoji="1" lang="ja-JP" altLang="en-US" dirty="0"/>
           </a:p>
@@ -2620,7 +2711,7 @@
     </p:spTree>
     <p:extLst>
       <p:ext uri="{BB962C8B-B14F-4D97-AF65-F5344CB8AC3E}">
-        <p14:creationId xmlns:p14="http://schemas.microsoft.com/office/powerpoint/2010/main" val="4202637590"/>
+        <p14:creationId xmlns:p14="http://schemas.microsoft.com/office/powerpoint/2010/main" val="1306671273"/>
       </p:ext>
     </p:extLst>
   </p:cSld>
@@ -2696,7 +2787,7 @@
             <a:fld id="{C0644275-5C74-4E59-8F01-9B0DD8D2F6FE}" type="slidenum">
               <a:rPr kumimoji="1" lang="ja-JP" altLang="en-US" smtClean="0"/>
               <a:pPr/>
-              <a:t>15</a:t>
+              <a:t>16</a:t>
             </a:fld>
             <a:endParaRPr kumimoji="1" lang="ja-JP" altLang="en-US" dirty="0"/>
           </a:p>
@@ -2705,7 +2796,7 @@
     </p:spTree>
     <p:extLst>
       <p:ext uri="{BB962C8B-B14F-4D97-AF65-F5344CB8AC3E}">
-        <p14:creationId xmlns:p14="http://schemas.microsoft.com/office/powerpoint/2010/main" val="1491600048"/>
+        <p14:creationId xmlns:p14="http://schemas.microsoft.com/office/powerpoint/2010/main" val="4202637590"/>
       </p:ext>
     </p:extLst>
   </p:cSld>
@@ -2781,7 +2872,7 @@
             <a:fld id="{C0644275-5C74-4E59-8F01-9B0DD8D2F6FE}" type="slidenum">
               <a:rPr kumimoji="1" lang="ja-JP" altLang="en-US" smtClean="0"/>
               <a:pPr/>
-              <a:t>16</a:t>
+              <a:t>17</a:t>
             </a:fld>
             <a:endParaRPr kumimoji="1" lang="ja-JP" altLang="en-US" dirty="0"/>
           </a:p>
@@ -2790,7 +2881,7 @@
     </p:spTree>
     <p:extLst>
       <p:ext uri="{BB962C8B-B14F-4D97-AF65-F5344CB8AC3E}">
-        <p14:creationId xmlns:p14="http://schemas.microsoft.com/office/powerpoint/2010/main" val="3575032933"/>
+        <p14:creationId xmlns:p14="http://schemas.microsoft.com/office/powerpoint/2010/main" val="1491600048"/>
       </p:ext>
     </p:extLst>
   </p:cSld>
@@ -2866,7 +2957,7 @@
             <a:fld id="{C0644275-5C74-4E59-8F01-9B0DD8D2F6FE}" type="slidenum">
               <a:rPr kumimoji="1" lang="ja-JP" altLang="en-US" smtClean="0"/>
               <a:pPr/>
-              <a:t>17</a:t>
+              <a:t>18</a:t>
             </a:fld>
             <a:endParaRPr kumimoji="1" lang="ja-JP" altLang="en-US" dirty="0"/>
           </a:p>
@@ -2875,7 +2966,7 @@
     </p:spTree>
     <p:extLst>
       <p:ext uri="{BB962C8B-B14F-4D97-AF65-F5344CB8AC3E}">
-        <p14:creationId xmlns:p14="http://schemas.microsoft.com/office/powerpoint/2010/main" val="3842747714"/>
+        <p14:creationId xmlns:p14="http://schemas.microsoft.com/office/powerpoint/2010/main" val="3575032933"/>
       </p:ext>
     </p:extLst>
   </p:cSld>
@@ -2952,6 +3043,91 @@
               <a:rPr kumimoji="1" lang="ja-JP" altLang="en-US" smtClean="0"/>
               <a:pPr/>
               <a:t>19</a:t>
+            </a:fld>
+            <a:endParaRPr kumimoji="1" lang="ja-JP" altLang="en-US" dirty="0"/>
+          </a:p>
+        </p:txBody>
+      </p:sp>
+    </p:spTree>
+    <p:extLst>
+      <p:ext uri="{BB962C8B-B14F-4D97-AF65-F5344CB8AC3E}">
+        <p14:creationId xmlns:p14="http://schemas.microsoft.com/office/powerpoint/2010/main" val="3842747714"/>
+      </p:ext>
+    </p:extLst>
+  </p:cSld>
+  <p:clrMapOvr>
+    <a:masterClrMapping/>
+  </p:clrMapOvr>
+</p:notes>
+</file>
+
+<file path=ppt/notesSlides/notesSlide16.xml><?xml version="1.0" encoding="utf-8"?>
+<p:notes xmlns:a="http://schemas.openxmlformats.org/drawingml/2006/main" xmlns:r="http://schemas.openxmlformats.org/officeDocument/2006/relationships" xmlns:p="http://schemas.openxmlformats.org/presentationml/2006/main">
+  <p:cSld>
+    <p:spTree>
+      <p:nvGrpSpPr>
+        <p:cNvPr id="1" name=""/>
+        <p:cNvGrpSpPr/>
+        <p:nvPr/>
+      </p:nvGrpSpPr>
+      <p:grpSpPr>
+        <a:xfrm>
+          <a:off x="0" y="0"/>
+          <a:ext cx="0" cy="0"/>
+          <a:chOff x="0" y="0"/>
+          <a:chExt cx="0" cy="0"/>
+        </a:xfrm>
+      </p:grpSpPr>
+      <p:sp>
+        <p:nvSpPr>
+          <p:cNvPr id="2" name="スライド イメージ プレースホルダー 1"/>
+          <p:cNvSpPr>
+            <a:spLocks noGrp="1" noRot="1" noChangeAspect="1"/>
+          </p:cNvSpPr>
+          <p:nvPr>
+            <p:ph type="sldImg"/>
+          </p:nvPr>
+        </p:nvSpPr>
+        <p:spPr/>
+      </p:sp>
+      <p:sp>
+        <p:nvSpPr>
+          <p:cNvPr id="3" name="ノート プレースホルダー 2"/>
+          <p:cNvSpPr>
+            <a:spLocks noGrp="1"/>
+          </p:cNvSpPr>
+          <p:nvPr>
+            <p:ph type="body" idx="1"/>
+          </p:nvPr>
+        </p:nvSpPr>
+        <p:spPr/>
+        <p:txBody>
+          <a:bodyPr/>
+          <a:lstStyle/>
+          <a:p>
+            <a:endParaRPr kumimoji="1" lang="ja-JP" altLang="en-US" dirty="0"/>
+          </a:p>
+        </p:txBody>
+      </p:sp>
+      <p:sp>
+        <p:nvSpPr>
+          <p:cNvPr id="4" name="スライド番号プレースホルダー 3"/>
+          <p:cNvSpPr>
+            <a:spLocks noGrp="1"/>
+          </p:cNvSpPr>
+          <p:nvPr>
+            <p:ph type="sldNum" sz="quarter" idx="5"/>
+          </p:nvPr>
+        </p:nvSpPr>
+        <p:spPr/>
+        <p:txBody>
+          <a:bodyPr/>
+          <a:lstStyle/>
+          <a:p>
+            <a:fld id="{C0644275-5C74-4E59-8F01-9B0DD8D2F6FE}" type="slidenum">
+              <a:rPr kumimoji="1" lang="ja-JP" altLang="en-US" smtClean="0"/>
+              <a:pPr/>
+              <a:t>21</a:t>
             </a:fld>
             <a:endParaRPr kumimoji="1" lang="ja-JP" altLang="en-US" dirty="0"/>
           </a:p>
@@ -3036,7 +3212,7 @@
             <a:fld id="{C0644275-5C74-4E59-8F01-9B0DD8D2F6FE}" type="slidenum">
               <a:rPr kumimoji="1" lang="ja-JP" altLang="en-US" smtClean="0"/>
               <a:pPr/>
-              <a:t>3</a:t>
+              <a:t>2</a:t>
             </a:fld>
             <a:endParaRPr kumimoji="1" lang="ja-JP" altLang="en-US" dirty="0"/>
           </a:p>
@@ -3045,7 +3221,7 @@
     </p:spTree>
     <p:extLst>
       <p:ext uri="{BB962C8B-B14F-4D97-AF65-F5344CB8AC3E}">
-        <p14:creationId xmlns:p14="http://schemas.microsoft.com/office/powerpoint/2010/main" val="4227020666"/>
+        <p14:creationId xmlns:p14="http://schemas.microsoft.com/office/powerpoint/2010/main" val="1026194926"/>
       </p:ext>
     </p:extLst>
   </p:cSld>
@@ -3121,7 +3297,7 @@
             <a:fld id="{C0644275-5C74-4E59-8F01-9B0DD8D2F6FE}" type="slidenum">
               <a:rPr kumimoji="1" lang="ja-JP" altLang="en-US" smtClean="0"/>
               <a:pPr/>
-              <a:t>4</a:t>
+              <a:t>3</a:t>
             </a:fld>
             <a:endParaRPr kumimoji="1" lang="ja-JP" altLang="en-US" dirty="0"/>
           </a:p>
@@ -3130,7 +3306,7 @@
     </p:spTree>
     <p:extLst>
       <p:ext uri="{BB962C8B-B14F-4D97-AF65-F5344CB8AC3E}">
-        <p14:creationId xmlns:p14="http://schemas.microsoft.com/office/powerpoint/2010/main" val="3332541443"/>
+        <p14:creationId xmlns:p14="http://schemas.microsoft.com/office/powerpoint/2010/main" val="4227020666"/>
       </p:ext>
     </p:extLst>
   </p:cSld>
@@ -3206,7 +3382,7 @@
             <a:fld id="{C0644275-5C74-4E59-8F01-9B0DD8D2F6FE}" type="slidenum">
               <a:rPr kumimoji="1" lang="ja-JP" altLang="en-US" smtClean="0"/>
               <a:pPr/>
-              <a:t>5</a:t>
+              <a:t>4</a:t>
             </a:fld>
             <a:endParaRPr kumimoji="1" lang="ja-JP" altLang="en-US" dirty="0"/>
           </a:p>
@@ -3215,7 +3391,7 @@
     </p:spTree>
     <p:extLst>
       <p:ext uri="{BB962C8B-B14F-4D97-AF65-F5344CB8AC3E}">
-        <p14:creationId xmlns:p14="http://schemas.microsoft.com/office/powerpoint/2010/main" val="3838320832"/>
+        <p14:creationId xmlns:p14="http://schemas.microsoft.com/office/powerpoint/2010/main" val="3332541443"/>
       </p:ext>
     </p:extLst>
   </p:cSld>
@@ -3291,7 +3467,7 @@
             <a:fld id="{C0644275-5C74-4E59-8F01-9B0DD8D2F6FE}" type="slidenum">
               <a:rPr kumimoji="1" lang="ja-JP" altLang="en-US" smtClean="0"/>
               <a:pPr/>
-              <a:t>6</a:t>
+              <a:t>5</a:t>
             </a:fld>
             <a:endParaRPr kumimoji="1" lang="ja-JP" altLang="en-US" dirty="0"/>
           </a:p>
@@ -3300,7 +3476,7 @@
     </p:spTree>
     <p:extLst>
       <p:ext uri="{BB962C8B-B14F-4D97-AF65-F5344CB8AC3E}">
-        <p14:creationId xmlns:p14="http://schemas.microsoft.com/office/powerpoint/2010/main" val="3889576027"/>
+        <p14:creationId xmlns:p14="http://schemas.microsoft.com/office/powerpoint/2010/main" val="3838320832"/>
       </p:ext>
     </p:extLst>
   </p:cSld>
@@ -3376,7 +3552,7 @@
             <a:fld id="{C0644275-5C74-4E59-8F01-9B0DD8D2F6FE}" type="slidenum">
               <a:rPr kumimoji="1" lang="ja-JP" altLang="en-US" smtClean="0"/>
               <a:pPr/>
-              <a:t>8</a:t>
+              <a:t>6</a:t>
             </a:fld>
             <a:endParaRPr kumimoji="1" lang="ja-JP" altLang="en-US" dirty="0"/>
           </a:p>
@@ -3385,7 +3561,7 @@
     </p:spTree>
     <p:extLst>
       <p:ext uri="{BB962C8B-B14F-4D97-AF65-F5344CB8AC3E}">
-        <p14:creationId xmlns:p14="http://schemas.microsoft.com/office/powerpoint/2010/main" val="39650033"/>
+        <p14:creationId xmlns:p14="http://schemas.microsoft.com/office/powerpoint/2010/main" val="3889576027"/>
       </p:ext>
     </p:extLst>
   </p:cSld>
@@ -3461,7 +3637,7 @@
             <a:fld id="{C0644275-5C74-4E59-8F01-9B0DD8D2F6FE}" type="slidenum">
               <a:rPr kumimoji="1" lang="ja-JP" altLang="en-US" smtClean="0"/>
               <a:pPr/>
-              <a:t>9</a:t>
+              <a:t>10</a:t>
             </a:fld>
             <a:endParaRPr kumimoji="1" lang="ja-JP" altLang="en-US" dirty="0"/>
           </a:p>
@@ -3470,7 +3646,7 @@
     </p:spTree>
     <p:extLst>
       <p:ext uri="{BB962C8B-B14F-4D97-AF65-F5344CB8AC3E}">
-        <p14:creationId xmlns:p14="http://schemas.microsoft.com/office/powerpoint/2010/main" val="186731830"/>
+        <p14:creationId xmlns:p14="http://schemas.microsoft.com/office/powerpoint/2010/main" val="39650033"/>
       </p:ext>
     </p:extLst>
   </p:cSld>
@@ -3546,7 +3722,7 @@
             <a:fld id="{C0644275-5C74-4E59-8F01-9B0DD8D2F6FE}" type="slidenum">
               <a:rPr kumimoji="1" lang="ja-JP" altLang="en-US" smtClean="0"/>
               <a:pPr/>
-              <a:t>10</a:t>
+              <a:t>11</a:t>
             </a:fld>
             <a:endParaRPr kumimoji="1" lang="ja-JP" altLang="en-US" dirty="0"/>
           </a:p>
@@ -3555,7 +3731,7 @@
     </p:spTree>
     <p:extLst>
       <p:ext uri="{BB962C8B-B14F-4D97-AF65-F5344CB8AC3E}">
-        <p14:creationId xmlns:p14="http://schemas.microsoft.com/office/powerpoint/2010/main" val="1723061456"/>
+        <p14:creationId xmlns:p14="http://schemas.microsoft.com/office/powerpoint/2010/main" val="186731830"/>
       </p:ext>
     </p:extLst>
   </p:cSld>
@@ -3640,7 +3816,7 @@
     </p:spTree>
     <p:extLst>
       <p:ext uri="{BB962C8B-B14F-4D97-AF65-F5344CB8AC3E}">
-        <p14:creationId xmlns:p14="http://schemas.microsoft.com/office/powerpoint/2010/main" val="3476312613"/>
+        <p14:creationId xmlns:p14="http://schemas.microsoft.com/office/powerpoint/2010/main" val="1723061456"/>
       </p:ext>
     </p:extLst>
   </p:cSld>
@@ -5840,6 +6016,1011 @@
       </p:grpSpPr>
       <p:sp>
         <p:nvSpPr>
+          <p:cNvPr id="11" name="雲 10">
+            <a:extLst>
+              <a:ext uri="{FF2B5EF4-FFF2-40B4-BE49-F238E27FC236}">
+                <a16:creationId xmlns:a16="http://schemas.microsoft.com/office/drawing/2014/main" id="{EA71CD94-3182-0A17-7B24-260383B250AD}"/>
+              </a:ext>
+            </a:extLst>
+          </p:cNvPr>
+          <p:cNvSpPr/>
+          <p:nvPr/>
+        </p:nvSpPr>
+        <p:spPr>
+          <a:xfrm>
+            <a:off x="5861552" y="1968699"/>
+            <a:ext cx="1154757" cy="804672"/>
+          </a:xfrm>
+          <a:prstGeom prst="cloud">
+            <a:avLst/>
+          </a:prstGeom>
+          <a:solidFill>
+            <a:schemeClr val="bg1">
+              <a:lumMod val="95000"/>
+            </a:schemeClr>
+          </a:solidFill>
+          <a:ln>
+            <a:solidFill>
+              <a:schemeClr val="bg1">
+                <a:lumMod val="75000"/>
+              </a:schemeClr>
+            </a:solidFill>
+          </a:ln>
+        </p:spPr>
+        <p:style>
+          <a:lnRef idx="2">
+            <a:schemeClr val="accent1">
+              <a:shade val="50000"/>
+            </a:schemeClr>
+          </a:lnRef>
+          <a:fillRef idx="1">
+            <a:schemeClr val="accent1"/>
+          </a:fillRef>
+          <a:effectRef idx="0">
+            <a:schemeClr val="accent1"/>
+          </a:effectRef>
+          <a:fontRef idx="minor">
+            <a:schemeClr val="lt1"/>
+          </a:fontRef>
+        </p:style>
+        <p:txBody>
+          <a:bodyPr rtlCol="0" anchor="ctr"/>
+          <a:lstStyle/>
+          <a:p>
+            <a:pPr algn="ctr"/>
+            <a:r>
+              <a:rPr kumimoji="1" lang="ja-JP" altLang="en-US" sz="1100" dirty="0">
+                <a:solidFill>
+                  <a:schemeClr val="tx1"/>
+                </a:solidFill>
+              </a:rPr>
+              <a:t>センサ用</a:t>
+            </a:r>
+            <a:endParaRPr kumimoji="1" lang="en-US" altLang="ja-JP" sz="1100" dirty="0">
+              <a:solidFill>
+                <a:schemeClr val="tx1"/>
+              </a:solidFill>
+            </a:endParaRPr>
+          </a:p>
+          <a:p>
+            <a:pPr algn="ctr"/>
+            <a:r>
+              <a:rPr kumimoji="1" lang="en-US" altLang="ja-JP" sz="1100" dirty="0">
+                <a:solidFill>
+                  <a:schemeClr val="tx1"/>
+                </a:solidFill>
+              </a:rPr>
+              <a:t>IP</a:t>
+            </a:r>
+            <a:r>
+              <a:rPr kumimoji="1" lang="ja-JP" altLang="en-US" sz="1100" dirty="0">
+                <a:solidFill>
+                  <a:schemeClr val="tx1"/>
+                </a:solidFill>
+              </a:rPr>
+              <a:t>網</a:t>
+            </a:r>
+          </a:p>
+        </p:txBody>
+      </p:sp>
+      <p:sp>
+        <p:nvSpPr>
+          <p:cNvPr id="2" name="タイトル 1">
+            <a:extLst>
+              <a:ext uri="{FF2B5EF4-FFF2-40B4-BE49-F238E27FC236}">
+                <a16:creationId xmlns:a16="http://schemas.microsoft.com/office/drawing/2014/main" id="{16B09375-8E36-C640-4753-9A0B62AD897A}"/>
+              </a:ext>
+            </a:extLst>
+          </p:cNvPr>
+          <p:cNvSpPr>
+            <a:spLocks noGrp="1"/>
+          </p:cNvSpPr>
+          <p:nvPr>
+            <p:ph type="title"/>
+          </p:nvPr>
+        </p:nvSpPr>
+        <p:spPr/>
+        <p:txBody>
+          <a:bodyPr/>
+          <a:lstStyle/>
+          <a:p>
+            <a:r>
+              <a:rPr kumimoji="1" lang="ja-JP" altLang="en-US" dirty="0"/>
+              <a:t>想定する人材</a:t>
+            </a:r>
+          </a:p>
+        </p:txBody>
+      </p:sp>
+      <p:sp>
+        <p:nvSpPr>
+          <p:cNvPr id="16" name="コンテンツ プレースホルダー 15">
+            <a:extLst>
+              <a:ext uri="{FF2B5EF4-FFF2-40B4-BE49-F238E27FC236}">
+                <a16:creationId xmlns:a16="http://schemas.microsoft.com/office/drawing/2014/main" id="{C892717E-B1F0-FC80-4BA7-B37C371695BF}"/>
+              </a:ext>
+            </a:extLst>
+          </p:cNvPr>
+          <p:cNvSpPr>
+            <a:spLocks noGrp="1"/>
+          </p:cNvSpPr>
+          <p:nvPr>
+            <p:ph idx="1"/>
+          </p:nvPr>
+        </p:nvSpPr>
+        <p:spPr>
+          <a:xfrm>
+            <a:off x="230400" y="950400"/>
+            <a:ext cx="5406904" cy="3787200"/>
+          </a:xfrm>
+        </p:spPr>
+        <p:txBody>
+          <a:bodyPr>
+            <a:normAutofit fontScale="92500" lnSpcReduction="20000"/>
+          </a:bodyPr>
+          <a:lstStyle/>
+          <a:p>
+            <a:r>
+              <a:rPr lang="ja-JP" altLang="en-US" dirty="0"/>
+              <a:t>システム管理者</a:t>
+            </a:r>
+            <a:endParaRPr lang="en-US" altLang="ja-JP" dirty="0"/>
+          </a:p>
+          <a:p>
+            <a:pPr lvl="1"/>
+            <a:r>
+              <a:rPr lang="ja-JP" altLang="en-US" dirty="0"/>
+              <a:t>組み込み</a:t>
+            </a:r>
+            <a:r>
+              <a:rPr lang="en-US" altLang="ja-JP" dirty="0"/>
+              <a:t>UNIX</a:t>
+            </a:r>
+            <a:r>
+              <a:rPr lang="ja-JP" altLang="en-US" dirty="0"/>
+              <a:t>マシンを設定</a:t>
+            </a:r>
+            <a:r>
+              <a:rPr lang="en-US" altLang="ja-JP" dirty="0"/>
+              <a:t>/</a:t>
+            </a:r>
+            <a:r>
+              <a:rPr lang="ja-JP" altLang="en-US" dirty="0"/>
+              <a:t>運用可能</a:t>
+            </a:r>
+            <a:endParaRPr lang="en-US" altLang="ja-JP" dirty="0"/>
+          </a:p>
+          <a:p>
+            <a:pPr lvl="2"/>
+            <a:r>
+              <a:rPr lang="en-US" altLang="ja-JP" dirty="0"/>
+              <a:t>Raspberry Pi, OpenBlocks</a:t>
+            </a:r>
+            <a:r>
+              <a:rPr lang="ja-JP" altLang="en-US" dirty="0"/>
+              <a:t>等</a:t>
+            </a:r>
+            <a:endParaRPr lang="en-US" altLang="ja-JP" dirty="0"/>
+          </a:p>
+          <a:p>
+            <a:pPr lvl="1"/>
+            <a:r>
+              <a:rPr lang="ja-JP" altLang="en-US" dirty="0"/>
+              <a:t>ネットワークを敷設可能</a:t>
+            </a:r>
+            <a:endParaRPr lang="en-US" altLang="ja-JP" dirty="0"/>
+          </a:p>
+          <a:p>
+            <a:pPr lvl="2"/>
+            <a:r>
+              <a:rPr lang="ja-JP" altLang="en-US" dirty="0"/>
+              <a:t>イーサネット</a:t>
+            </a:r>
+            <a:r>
+              <a:rPr lang="en-US" altLang="ja-JP" dirty="0"/>
+              <a:t>, </a:t>
+            </a:r>
+            <a:r>
+              <a:rPr lang="en-US" altLang="ja-JP" dirty="0" err="1"/>
+              <a:t>WiFi</a:t>
+            </a:r>
+            <a:endParaRPr lang="en-US" altLang="ja-JP" dirty="0"/>
+          </a:p>
+          <a:p>
+            <a:pPr lvl="2"/>
+            <a:endParaRPr lang="en-US" altLang="ja-JP" dirty="0"/>
+          </a:p>
+          <a:p>
+            <a:r>
+              <a:rPr lang="ja-JP" altLang="en-US" dirty="0"/>
+              <a:t>端末開発者</a:t>
+            </a:r>
+            <a:endParaRPr lang="en-US" altLang="ja-JP" dirty="0"/>
+          </a:p>
+          <a:p>
+            <a:pPr lvl="1"/>
+            <a:r>
+              <a:rPr lang="ja-JP" altLang="en-US" dirty="0"/>
+              <a:t>ハードウェア</a:t>
+            </a:r>
+            <a:endParaRPr lang="en-US" altLang="ja-JP" dirty="0"/>
+          </a:p>
+          <a:p>
+            <a:pPr lvl="2"/>
+            <a:r>
+              <a:rPr lang="ja-JP" altLang="en-US" dirty="0"/>
+              <a:t>専用ケーブルでセンサを</a:t>
+            </a:r>
+            <a:r>
+              <a:rPr lang="en-US" altLang="ja-JP" dirty="0"/>
+              <a:t>Arduino</a:t>
+            </a:r>
+            <a:r>
+              <a:rPr lang="ja-JP" altLang="en-US" dirty="0"/>
+              <a:t>に接続</a:t>
+            </a:r>
+            <a:endParaRPr lang="en-US" altLang="ja-JP" dirty="0"/>
+          </a:p>
+          <a:p>
+            <a:pPr lvl="2"/>
+            <a:endParaRPr lang="en-US" altLang="ja-JP" dirty="0"/>
+          </a:p>
+          <a:p>
+            <a:pPr lvl="1"/>
+            <a:r>
+              <a:rPr lang="ja-JP" altLang="en-US" dirty="0"/>
+              <a:t>ソフトウェア</a:t>
+            </a:r>
+            <a:endParaRPr lang="en-US" altLang="ja-JP" dirty="0"/>
+          </a:p>
+          <a:p>
+            <a:pPr lvl="2"/>
+            <a:r>
+              <a:rPr lang="ja-JP" altLang="en-US" dirty="0"/>
+              <a:t>専用アプリでセンサ端末の仕様定義ファイルを生成</a:t>
+            </a:r>
+            <a:endParaRPr lang="en-US" altLang="ja-JP" dirty="0"/>
+          </a:p>
+          <a:p>
+            <a:pPr lvl="2"/>
+            <a:r>
+              <a:rPr lang="ja-JP" altLang="en-US" dirty="0"/>
+              <a:t>仕様定義ファイルから</a:t>
+            </a:r>
+            <a:r>
+              <a:rPr lang="en-US" altLang="ja-JP" dirty="0"/>
+              <a:t>Arduino</a:t>
+            </a:r>
+            <a:r>
+              <a:rPr lang="ja-JP" altLang="en-US" dirty="0"/>
+              <a:t>のスケッチを生成</a:t>
+            </a:r>
+            <a:endParaRPr lang="en-US" altLang="ja-JP" dirty="0"/>
+          </a:p>
+          <a:p>
+            <a:pPr lvl="2"/>
+            <a:r>
+              <a:rPr lang="en-US" altLang="ja-JP" dirty="0"/>
+              <a:t>IDE</a:t>
+            </a:r>
+            <a:r>
+              <a:rPr lang="ja-JP" altLang="en-US" dirty="0"/>
+              <a:t>で</a:t>
+            </a:r>
+            <a:r>
+              <a:rPr lang="en-US" altLang="ja-JP" dirty="0"/>
+              <a:t>Arduino</a:t>
+            </a:r>
+            <a:r>
+              <a:rPr lang="ja-JP" altLang="en-US" dirty="0"/>
+              <a:t>にプログラムをインストール</a:t>
+            </a:r>
+            <a:endParaRPr lang="en-US" altLang="ja-JP" dirty="0"/>
+          </a:p>
+        </p:txBody>
+      </p:sp>
+      <p:sp>
+        <p:nvSpPr>
+          <p:cNvPr id="5" name="正方形/長方形 4">
+            <a:extLst>
+              <a:ext uri="{FF2B5EF4-FFF2-40B4-BE49-F238E27FC236}">
+                <a16:creationId xmlns:a16="http://schemas.microsoft.com/office/drawing/2014/main" id="{01935340-89C5-1255-D9F1-B6240B606FB7}"/>
+              </a:ext>
+            </a:extLst>
+          </p:cNvPr>
+          <p:cNvSpPr/>
+          <p:nvPr/>
+        </p:nvSpPr>
+        <p:spPr>
+          <a:xfrm>
+            <a:off x="5778769" y="1365873"/>
+            <a:ext cx="1327573" cy="602826"/>
+          </a:xfrm>
+          <a:prstGeom prst="rect">
+            <a:avLst/>
+          </a:prstGeom>
+          <a:solidFill>
+            <a:schemeClr val="bg1"/>
+          </a:solidFill>
+          <a:ln>
+            <a:solidFill>
+              <a:schemeClr val="tx1">
+                <a:lumMod val="50000"/>
+                <a:lumOff val="50000"/>
+              </a:schemeClr>
+            </a:solidFill>
+          </a:ln>
+        </p:spPr>
+        <p:style>
+          <a:lnRef idx="2">
+            <a:schemeClr val="accent1">
+              <a:shade val="15000"/>
+            </a:schemeClr>
+          </a:lnRef>
+          <a:fillRef idx="1">
+            <a:schemeClr val="accent1"/>
+          </a:fillRef>
+          <a:effectRef idx="0">
+            <a:schemeClr val="accent1"/>
+          </a:effectRef>
+          <a:fontRef idx="minor">
+            <a:schemeClr val="lt1"/>
+          </a:fontRef>
+        </p:style>
+        <p:txBody>
+          <a:bodyPr rtlCol="0" anchor="ctr"/>
+          <a:lstStyle/>
+          <a:p>
+            <a:pPr algn="ctr"/>
+            <a:r>
+              <a:rPr kumimoji="1" lang="en-US" altLang="ja-JP" sz="1400" dirty="0">
+                <a:solidFill>
+                  <a:schemeClr val="tx1"/>
+                </a:solidFill>
+                <a:latin typeface="メイリオ" panose="020B0604030504040204" pitchFamily="50" charset="-128"/>
+                <a:ea typeface="メイリオ" panose="020B0604030504040204" pitchFamily="50" charset="-128"/>
+              </a:rPr>
+              <a:t>IoT GW</a:t>
+            </a:r>
+          </a:p>
+          <a:p>
+            <a:pPr algn="ctr"/>
+            <a:r>
+              <a:rPr lang="en-US" altLang="ja-JP" sz="1200" dirty="0">
+                <a:solidFill>
+                  <a:schemeClr val="tx1"/>
+                </a:solidFill>
+                <a:latin typeface="メイリオ" panose="020B0604030504040204" pitchFamily="50" charset="-128"/>
+                <a:ea typeface="メイリオ" panose="020B0604030504040204" pitchFamily="50" charset="-128"/>
+                <a:cs typeface="Arial" panose="020B0604020202020204" pitchFamily="34" charset="0"/>
+              </a:rPr>
+              <a:t>(</a:t>
+            </a:r>
+            <a:r>
+              <a:rPr lang="ja-JP" altLang="en-US" sz="1200" dirty="0">
+                <a:solidFill>
+                  <a:schemeClr val="tx1"/>
+                </a:solidFill>
+                <a:latin typeface="メイリオ" panose="020B0604030504040204" pitchFamily="50" charset="-128"/>
+                <a:ea typeface="メイリオ" panose="020B0604030504040204" pitchFamily="50" charset="-128"/>
+                <a:cs typeface="Arial" panose="020B0604020202020204" pitchFamily="34" charset="0"/>
+              </a:rPr>
+              <a:t>ゲートウェイ</a:t>
+            </a:r>
+            <a:r>
+              <a:rPr lang="en-US" altLang="ja-JP" sz="1200" dirty="0">
+                <a:solidFill>
+                  <a:schemeClr val="tx1"/>
+                </a:solidFill>
+                <a:latin typeface="メイリオ" panose="020B0604030504040204" pitchFamily="50" charset="-128"/>
+                <a:ea typeface="メイリオ" panose="020B0604030504040204" pitchFamily="50" charset="-128"/>
+                <a:cs typeface="Arial" panose="020B0604020202020204" pitchFamily="34" charset="0"/>
+              </a:rPr>
+              <a:t>)</a:t>
+            </a:r>
+            <a:endParaRPr kumimoji="1" lang="ja-JP" altLang="en-US" sz="1400" dirty="0">
+              <a:solidFill>
+                <a:schemeClr val="tx1"/>
+              </a:solidFill>
+              <a:latin typeface="Arial" panose="020B0604020202020204" pitchFamily="34" charset="0"/>
+              <a:cs typeface="Arial" panose="020B0604020202020204" pitchFamily="34" charset="0"/>
+            </a:endParaRPr>
+          </a:p>
+        </p:txBody>
+      </p:sp>
+      <p:sp>
+        <p:nvSpPr>
+          <p:cNvPr id="6" name="正方形/長方形 5">
+            <a:extLst>
+              <a:ext uri="{FF2B5EF4-FFF2-40B4-BE49-F238E27FC236}">
+                <a16:creationId xmlns:a16="http://schemas.microsoft.com/office/drawing/2014/main" id="{70905D45-4708-922C-1EF3-E31930D98050}"/>
+              </a:ext>
+            </a:extLst>
+          </p:cNvPr>
+          <p:cNvSpPr/>
+          <p:nvPr/>
+        </p:nvSpPr>
+        <p:spPr>
+          <a:xfrm>
+            <a:off x="5965502" y="2709690"/>
+            <a:ext cx="954107" cy="319195"/>
+          </a:xfrm>
+          <a:prstGeom prst="rect">
+            <a:avLst/>
+          </a:prstGeom>
+          <a:solidFill>
+            <a:srgbClr val="FFEFFF"/>
+          </a:solidFill>
+          <a:ln>
+            <a:solidFill>
+              <a:schemeClr val="tx1">
+                <a:lumMod val="50000"/>
+                <a:lumOff val="50000"/>
+              </a:schemeClr>
+            </a:solidFill>
+          </a:ln>
+        </p:spPr>
+        <p:style>
+          <a:lnRef idx="2">
+            <a:schemeClr val="accent1">
+              <a:shade val="15000"/>
+            </a:schemeClr>
+          </a:lnRef>
+          <a:fillRef idx="1">
+            <a:schemeClr val="accent1"/>
+          </a:fillRef>
+          <a:effectRef idx="0">
+            <a:schemeClr val="accent1"/>
+          </a:effectRef>
+          <a:fontRef idx="minor">
+            <a:schemeClr val="lt1"/>
+          </a:fontRef>
+        </p:style>
+        <p:txBody>
+          <a:bodyPr rtlCol="0" anchor="ctr"/>
+          <a:lstStyle/>
+          <a:p>
+            <a:pPr algn="ctr"/>
+            <a:r>
+              <a:rPr kumimoji="1" lang="ja-JP" altLang="en-US" sz="1200" dirty="0">
+                <a:solidFill>
+                  <a:schemeClr val="tx1"/>
+                </a:solidFill>
+                <a:latin typeface="メイリオ" panose="020B0604030504040204" pitchFamily="50" charset="-128"/>
+                <a:ea typeface="メイリオ" panose="020B0604030504040204" pitchFamily="50" charset="-128"/>
+                <a:cs typeface="Arial" panose="020B0604020202020204" pitchFamily="34" charset="0"/>
+              </a:rPr>
+              <a:t>センサ端末</a:t>
+            </a:r>
+            <a:endParaRPr kumimoji="1" lang="ja-JP" altLang="en-US" sz="1200" dirty="0">
+              <a:solidFill>
+                <a:schemeClr val="tx1"/>
+              </a:solidFill>
+              <a:latin typeface="Arial" panose="020B0604020202020204" pitchFamily="34" charset="0"/>
+              <a:ea typeface="メイリオ" panose="020B0604030504040204" pitchFamily="50" charset="-128"/>
+              <a:cs typeface="Arial" panose="020B0604020202020204" pitchFamily="34" charset="0"/>
+            </a:endParaRPr>
+          </a:p>
+        </p:txBody>
+      </p:sp>
+      <p:sp>
+        <p:nvSpPr>
+          <p:cNvPr id="12" name="右中かっこ 11">
+            <a:extLst>
+              <a:ext uri="{FF2B5EF4-FFF2-40B4-BE49-F238E27FC236}">
+                <a16:creationId xmlns:a16="http://schemas.microsoft.com/office/drawing/2014/main" id="{88A938A7-CEB5-7CA1-B4DF-384DBDDFE1C3}"/>
+              </a:ext>
+            </a:extLst>
+          </p:cNvPr>
+          <p:cNvSpPr/>
+          <p:nvPr/>
+        </p:nvSpPr>
+        <p:spPr>
+          <a:xfrm>
+            <a:off x="7157774" y="1499616"/>
+            <a:ext cx="135854" cy="1159982"/>
+          </a:xfrm>
+          <a:prstGeom prst="rightBrace">
+            <a:avLst/>
+          </a:prstGeom>
+          <a:ln w="9525">
+            <a:solidFill>
+              <a:schemeClr val="accent1"/>
+            </a:solidFill>
+          </a:ln>
+        </p:spPr>
+        <p:style>
+          <a:lnRef idx="1">
+            <a:schemeClr val="accent1"/>
+          </a:lnRef>
+          <a:fillRef idx="0">
+            <a:schemeClr val="accent1"/>
+          </a:fillRef>
+          <a:effectRef idx="0">
+            <a:schemeClr val="accent1"/>
+          </a:effectRef>
+          <a:fontRef idx="minor">
+            <a:schemeClr val="tx1"/>
+          </a:fontRef>
+        </p:style>
+        <p:txBody>
+          <a:bodyPr rtlCol="0" anchor="ctr"/>
+          <a:lstStyle/>
+          <a:p>
+            <a:pPr algn="ctr"/>
+            <a:endParaRPr kumimoji="1" lang="ja-JP" altLang="en-US"/>
+          </a:p>
+        </p:txBody>
+      </p:sp>
+      <p:sp>
+        <p:nvSpPr>
+          <p:cNvPr id="13" name="テキスト ボックス 12">
+            <a:extLst>
+              <a:ext uri="{FF2B5EF4-FFF2-40B4-BE49-F238E27FC236}">
+                <a16:creationId xmlns:a16="http://schemas.microsoft.com/office/drawing/2014/main" id="{62E7ABF4-19AD-4EA3-4751-5E47C35AE314}"/>
+              </a:ext>
+            </a:extLst>
+          </p:cNvPr>
+          <p:cNvSpPr txBox="1"/>
+          <p:nvPr/>
+        </p:nvSpPr>
+        <p:spPr>
+          <a:xfrm>
+            <a:off x="7345060" y="1941107"/>
+            <a:ext cx="1723549" cy="276999"/>
+          </a:xfrm>
+          <a:prstGeom prst="rect">
+            <a:avLst/>
+          </a:prstGeom>
+          <a:noFill/>
+        </p:spPr>
+        <p:txBody>
+          <a:bodyPr wrap="none" rtlCol="0">
+            <a:spAutoFit/>
+          </a:bodyPr>
+          <a:lstStyle/>
+          <a:p>
+            <a:pPr algn="l"/>
+            <a:r>
+              <a:rPr kumimoji="1" lang="ja-JP" altLang="en-US" sz="1200" dirty="0">
+                <a:solidFill>
+                  <a:srgbClr val="FF0000"/>
+                </a:solidFill>
+              </a:rPr>
+              <a:t>システム管理者が担当</a:t>
+            </a:r>
+          </a:p>
+        </p:txBody>
+      </p:sp>
+      <p:sp>
+        <p:nvSpPr>
+          <p:cNvPr id="14" name="テキスト ボックス 13">
+            <a:extLst>
+              <a:ext uri="{FF2B5EF4-FFF2-40B4-BE49-F238E27FC236}">
+                <a16:creationId xmlns:a16="http://schemas.microsoft.com/office/drawing/2014/main" id="{868506B1-5787-3624-177C-DB8B9DC40AF2}"/>
+              </a:ext>
+            </a:extLst>
+          </p:cNvPr>
+          <p:cNvSpPr txBox="1"/>
+          <p:nvPr/>
+        </p:nvSpPr>
+        <p:spPr>
+          <a:xfrm>
+            <a:off x="6901200" y="2730787"/>
+            <a:ext cx="1415772" cy="276999"/>
+          </a:xfrm>
+          <a:prstGeom prst="rect">
+            <a:avLst/>
+          </a:prstGeom>
+          <a:noFill/>
+        </p:spPr>
+        <p:txBody>
+          <a:bodyPr wrap="none" rtlCol="0">
+            <a:spAutoFit/>
+          </a:bodyPr>
+          <a:lstStyle/>
+          <a:p>
+            <a:pPr algn="l"/>
+            <a:r>
+              <a:rPr kumimoji="1" lang="ja-JP" altLang="en-US" sz="1200" dirty="0">
+                <a:solidFill>
+                  <a:srgbClr val="FF0000"/>
+                </a:solidFill>
+              </a:rPr>
+              <a:t>端末開発者が担当</a:t>
+            </a:r>
+          </a:p>
+        </p:txBody>
+      </p:sp>
+      <p:sp>
+        <p:nvSpPr>
+          <p:cNvPr id="15" name="吹き出し: 四角形 14">
+            <a:extLst>
+              <a:ext uri="{FF2B5EF4-FFF2-40B4-BE49-F238E27FC236}">
+                <a16:creationId xmlns:a16="http://schemas.microsoft.com/office/drawing/2014/main" id="{15C49E13-6532-C871-AC4F-84C1666ED3A5}"/>
+              </a:ext>
+            </a:extLst>
+          </p:cNvPr>
+          <p:cNvSpPr/>
+          <p:nvPr/>
+        </p:nvSpPr>
+        <p:spPr>
+          <a:xfrm>
+            <a:off x="6653852" y="3172279"/>
+            <a:ext cx="2280086" cy="546265"/>
+          </a:xfrm>
+          <a:prstGeom prst="wedgeRectCallout">
+            <a:avLst>
+              <a:gd name="adj1" fmla="val 4601"/>
+              <a:gd name="adj2" fmla="val -81636"/>
+            </a:avLst>
+          </a:prstGeom>
+          <a:solidFill>
+            <a:srgbClr val="FFFFE7"/>
+          </a:solidFill>
+          <a:ln>
+            <a:solidFill>
+              <a:schemeClr val="tx1">
+                <a:lumMod val="50000"/>
+                <a:lumOff val="50000"/>
+              </a:schemeClr>
+            </a:solidFill>
+          </a:ln>
+        </p:spPr>
+        <p:style>
+          <a:lnRef idx="2">
+            <a:schemeClr val="accent1">
+              <a:shade val="15000"/>
+            </a:schemeClr>
+          </a:lnRef>
+          <a:fillRef idx="1">
+            <a:schemeClr val="accent1"/>
+          </a:fillRef>
+          <a:effectRef idx="0">
+            <a:schemeClr val="accent1"/>
+          </a:effectRef>
+          <a:fontRef idx="minor">
+            <a:schemeClr val="lt1"/>
+          </a:fontRef>
+        </p:style>
+        <p:txBody>
+          <a:bodyPr rtlCol="0" anchor="ctr"/>
+          <a:lstStyle/>
+          <a:p>
+            <a:pPr algn="ctr"/>
+            <a:r>
+              <a:rPr kumimoji="1" lang="ja-JP" altLang="en-US" sz="1200" dirty="0">
+                <a:solidFill>
+                  <a:schemeClr val="tx1"/>
+                </a:solidFill>
+                <a:latin typeface="Arial" panose="020B0604020202020204" pitchFamily="34" charset="0"/>
+                <a:ea typeface="メイリオ" panose="020B0604030504040204" pitchFamily="50" charset="-128"/>
+                <a:cs typeface="Arial" panose="020B0604020202020204" pitchFamily="34" charset="0"/>
+              </a:rPr>
+              <a:t>「端末開発者」の負荷低減が</a:t>
+            </a:r>
+            <a:endParaRPr kumimoji="1" lang="en-US" altLang="ja-JP" sz="1200" dirty="0">
+              <a:solidFill>
+                <a:schemeClr val="tx1"/>
+              </a:solidFill>
+              <a:latin typeface="Arial" panose="020B0604020202020204" pitchFamily="34" charset="0"/>
+              <a:ea typeface="メイリオ" panose="020B0604030504040204" pitchFamily="50" charset="-128"/>
+              <a:cs typeface="Arial" panose="020B0604020202020204" pitchFamily="34" charset="0"/>
+            </a:endParaRPr>
+          </a:p>
+          <a:p>
+            <a:pPr algn="ctr"/>
+            <a:r>
+              <a:rPr kumimoji="1" lang="ja-JP" altLang="en-US" sz="1200" dirty="0">
+                <a:solidFill>
+                  <a:schemeClr val="tx1"/>
+                </a:solidFill>
+                <a:latin typeface="Arial" panose="020B0604020202020204" pitchFamily="34" charset="0"/>
+                <a:ea typeface="メイリオ" panose="020B0604030504040204" pitchFamily="50" charset="-128"/>
+                <a:cs typeface="Arial" panose="020B0604020202020204" pitchFamily="34" charset="0"/>
+              </a:rPr>
+              <a:t>本プロジェクトの主目的</a:t>
+            </a:r>
+          </a:p>
+        </p:txBody>
+      </p:sp>
+    </p:spTree>
+    <p:extLst>
+      <p:ext uri="{BB962C8B-B14F-4D97-AF65-F5344CB8AC3E}">
+        <p14:creationId xmlns:p14="http://schemas.microsoft.com/office/powerpoint/2010/main" val="525914061"/>
+      </p:ext>
+    </p:extLst>
+  </p:cSld>
+  <p:clrMapOvr>
+    <a:masterClrMapping/>
+  </p:clrMapOvr>
+</p:sld>
+</file>
+
+<file path=ppt/slides/slide11.xml><?xml version="1.0" encoding="utf-8"?>
+<p:sld xmlns:a="http://schemas.openxmlformats.org/drawingml/2006/main" xmlns:r="http://schemas.openxmlformats.org/officeDocument/2006/relationships" xmlns:p="http://schemas.openxmlformats.org/presentationml/2006/main">
+  <p:cSld>
+    <p:spTree>
+      <p:nvGrpSpPr>
+        <p:cNvPr id="1" name=""/>
+        <p:cNvGrpSpPr/>
+        <p:nvPr/>
+      </p:nvGrpSpPr>
+      <p:grpSpPr>
+        <a:xfrm>
+          <a:off x="0" y="0"/>
+          <a:ext cx="0" cy="0"/>
+          <a:chOff x="0" y="0"/>
+          <a:chExt cx="0" cy="0"/>
+        </a:xfrm>
+      </p:grpSpPr>
+      <p:sp>
+        <p:nvSpPr>
+          <p:cNvPr id="2" name="タイトル 1">
+            <a:extLst>
+              <a:ext uri="{FF2B5EF4-FFF2-40B4-BE49-F238E27FC236}">
+                <a16:creationId xmlns:a16="http://schemas.microsoft.com/office/drawing/2014/main" id="{C020C61F-79A6-B644-4C8A-3C6A5DAF7A7B}"/>
+              </a:ext>
+            </a:extLst>
+          </p:cNvPr>
+          <p:cNvSpPr>
+            <a:spLocks noGrp="1"/>
+          </p:cNvSpPr>
+          <p:nvPr>
+            <p:ph type="title"/>
+          </p:nvPr>
+        </p:nvSpPr>
+        <p:spPr/>
+        <p:txBody>
+          <a:bodyPr/>
+          <a:lstStyle/>
+          <a:p>
+            <a:r>
+              <a:rPr kumimoji="1" lang="ja-JP" altLang="en-US" dirty="0"/>
+              <a:t>用意したドキュメント</a:t>
+            </a:r>
+          </a:p>
+        </p:txBody>
+      </p:sp>
+      <p:sp>
+        <p:nvSpPr>
+          <p:cNvPr id="3" name="コンテンツ プレースホルダー 2">
+            <a:extLst>
+              <a:ext uri="{FF2B5EF4-FFF2-40B4-BE49-F238E27FC236}">
+                <a16:creationId xmlns:a16="http://schemas.microsoft.com/office/drawing/2014/main" id="{7889F729-BAD1-7041-7D3E-C2EA82294FE3}"/>
+              </a:ext>
+            </a:extLst>
+          </p:cNvPr>
+          <p:cNvSpPr>
+            <a:spLocks noGrp="1"/>
+          </p:cNvSpPr>
+          <p:nvPr>
+            <p:ph idx="1"/>
+          </p:nvPr>
+        </p:nvSpPr>
+        <p:spPr/>
+        <p:txBody>
+          <a:bodyPr/>
+          <a:lstStyle/>
+          <a:p>
+            <a:r>
+              <a:rPr kumimoji="1" lang="en-US" altLang="ja-JP" dirty="0"/>
+              <a:t>Arduino</a:t>
+            </a:r>
+            <a:r>
+              <a:rPr kumimoji="1" lang="ja-JP" altLang="en-US" dirty="0"/>
+              <a:t>等の組み込みマイコンの基礎知識</a:t>
+            </a:r>
+            <a:endParaRPr kumimoji="1" lang="en-US" altLang="ja-JP" dirty="0"/>
+          </a:p>
+          <a:p>
+            <a:r>
+              <a:rPr kumimoji="1" lang="en-US" altLang="ja-JP" dirty="0"/>
+              <a:t>IoT</a:t>
+            </a:r>
+            <a:r>
+              <a:rPr kumimoji="1" lang="ja-JP" altLang="en-US" dirty="0"/>
+              <a:t>向けセンサネットワークの基礎</a:t>
+            </a:r>
+            <a:endParaRPr kumimoji="1" lang="en-US" altLang="ja-JP" dirty="0"/>
+          </a:p>
+          <a:p>
+            <a:r>
+              <a:rPr kumimoji="1" lang="ja-JP" altLang="en-US" dirty="0"/>
+              <a:t>仕様定義の方法</a:t>
+            </a:r>
+            <a:endParaRPr kumimoji="1" lang="en-US" altLang="ja-JP" dirty="0"/>
+          </a:p>
+          <a:p>
+            <a:r>
+              <a:rPr lang="en-US" altLang="ja-JP" dirty="0"/>
+              <a:t>Arduino</a:t>
+            </a:r>
+            <a:r>
+              <a:rPr lang="ja-JP" altLang="en-US" dirty="0"/>
+              <a:t>用スケッチ合成プログラムの使い方</a:t>
+            </a:r>
+            <a:endParaRPr lang="en-US" altLang="ja-JP" dirty="0"/>
+          </a:p>
+          <a:p>
+            <a:r>
+              <a:rPr lang="en-US" altLang="ja-JP" dirty="0"/>
+              <a:t>Arduino IDE</a:t>
+            </a:r>
+            <a:r>
+              <a:rPr lang="ja-JP" altLang="en-US" dirty="0"/>
+              <a:t>の使い方</a:t>
+            </a:r>
+            <a:endParaRPr lang="en-US" altLang="ja-JP" dirty="0"/>
+          </a:p>
+        </p:txBody>
+      </p:sp>
+      <p:sp>
+        <p:nvSpPr>
+          <p:cNvPr id="4" name="四角形: 角を丸くする 3">
+            <a:extLst>
+              <a:ext uri="{FF2B5EF4-FFF2-40B4-BE49-F238E27FC236}">
+                <a16:creationId xmlns:a16="http://schemas.microsoft.com/office/drawing/2014/main" id="{42534CB8-2FC5-A33B-B1D3-F8FB0C1943F2}"/>
+              </a:ext>
+            </a:extLst>
+          </p:cNvPr>
+          <p:cNvSpPr/>
+          <p:nvPr/>
+        </p:nvSpPr>
+        <p:spPr>
+          <a:xfrm>
+            <a:off x="1196558" y="3592208"/>
+            <a:ext cx="5899186" cy="600892"/>
+          </a:xfrm>
+          <a:prstGeom prst="roundRect">
+            <a:avLst/>
+          </a:prstGeom>
+          <a:solidFill>
+            <a:srgbClr val="FFFFE5"/>
+          </a:solidFill>
+          <a:ln>
+            <a:solidFill>
+              <a:schemeClr val="bg1">
+                <a:lumMod val="75000"/>
+              </a:schemeClr>
+            </a:solidFill>
+          </a:ln>
+        </p:spPr>
+        <p:style>
+          <a:lnRef idx="2">
+            <a:schemeClr val="accent1">
+              <a:shade val="50000"/>
+            </a:schemeClr>
+          </a:lnRef>
+          <a:fillRef idx="1">
+            <a:schemeClr val="accent1"/>
+          </a:fillRef>
+          <a:effectRef idx="0">
+            <a:schemeClr val="accent1"/>
+          </a:effectRef>
+          <a:fontRef idx="minor">
+            <a:schemeClr val="lt1"/>
+          </a:fontRef>
+        </p:style>
+        <p:txBody>
+          <a:bodyPr rtlCol="0" anchor="ctr"/>
+          <a:lstStyle/>
+          <a:p>
+            <a:pPr algn="ctr"/>
+            <a:r>
+              <a:rPr kumimoji="1" lang="ja-JP" altLang="en-US" dirty="0">
+                <a:solidFill>
+                  <a:schemeClr val="tx1"/>
+                </a:solidFill>
+              </a:rPr>
+              <a:t>電子回路・</a:t>
+            </a:r>
+            <a:r>
+              <a:rPr kumimoji="1" lang="en-US" altLang="ja-JP" dirty="0">
+                <a:solidFill>
+                  <a:schemeClr val="tx1"/>
+                </a:solidFill>
+              </a:rPr>
+              <a:t>C++</a:t>
+            </a:r>
+            <a:r>
+              <a:rPr kumimoji="1" lang="ja-JP" altLang="en-US" dirty="0">
+                <a:solidFill>
+                  <a:schemeClr val="tx1"/>
+                </a:solidFill>
+              </a:rPr>
+              <a:t>の知識がなくても理解できる</a:t>
+            </a:r>
+          </a:p>
+        </p:txBody>
+      </p:sp>
+      <p:sp>
+        <p:nvSpPr>
+          <p:cNvPr id="5" name="テキスト ボックス 4">
+            <a:extLst>
+              <a:ext uri="{FF2B5EF4-FFF2-40B4-BE49-F238E27FC236}">
+                <a16:creationId xmlns:a16="http://schemas.microsoft.com/office/drawing/2014/main" id="{07DDBCBE-8112-048E-9063-109CB104BEE8}"/>
+              </a:ext>
+            </a:extLst>
+          </p:cNvPr>
+          <p:cNvSpPr txBox="1"/>
+          <p:nvPr/>
+        </p:nvSpPr>
+        <p:spPr>
+          <a:xfrm>
+            <a:off x="344013" y="4346045"/>
+            <a:ext cx="7943200" cy="369332"/>
+          </a:xfrm>
+          <a:prstGeom prst="rect">
+            <a:avLst/>
+          </a:prstGeom>
+          <a:noFill/>
+        </p:spPr>
+        <p:txBody>
+          <a:bodyPr wrap="none" rtlCol="0">
+            <a:spAutoFit/>
+          </a:bodyPr>
+          <a:lstStyle/>
+          <a:p>
+            <a:pPr algn="l"/>
+            <a:r>
+              <a:rPr kumimoji="1" lang="ja-JP" altLang="en-US" dirty="0">
+                <a:solidFill>
+                  <a:srgbClr val="FF0000"/>
+                </a:solidFill>
+              </a:rPr>
+              <a:t>「</a:t>
+            </a:r>
+            <a:r>
+              <a:rPr kumimoji="1" lang="en-US" altLang="ja-JP" dirty="0">
+                <a:solidFill>
+                  <a:srgbClr val="FF0000"/>
+                </a:solidFill>
+              </a:rPr>
+              <a:t>PC</a:t>
+            </a:r>
+            <a:r>
+              <a:rPr kumimoji="1" lang="ja-JP" altLang="en-US" dirty="0">
+                <a:solidFill>
+                  <a:srgbClr val="FF0000"/>
+                </a:solidFill>
+              </a:rPr>
+              <a:t>を使えない」「小中学 理科実験レベルの配線もできない」人は想定外</a:t>
+            </a:r>
+          </a:p>
+        </p:txBody>
+      </p:sp>
+    </p:spTree>
+    <p:extLst>
+      <p:ext uri="{BB962C8B-B14F-4D97-AF65-F5344CB8AC3E}">
+        <p14:creationId xmlns:p14="http://schemas.microsoft.com/office/powerpoint/2010/main" val="823133133"/>
+      </p:ext>
+    </p:extLst>
+  </p:cSld>
+  <p:clrMapOvr>
+    <a:masterClrMapping/>
+  </p:clrMapOvr>
+</p:sld>
+</file>
+
+<file path=ppt/slides/slide12.xml><?xml version="1.0" encoding="utf-8"?>
+<p:sld xmlns:a="http://schemas.openxmlformats.org/drawingml/2006/main" xmlns:r="http://schemas.openxmlformats.org/officeDocument/2006/relationships" xmlns:p="http://schemas.openxmlformats.org/presentationml/2006/main">
+  <p:cSld>
+    <p:spTree>
+      <p:nvGrpSpPr>
+        <p:cNvPr id="1" name=""/>
+        <p:cNvGrpSpPr/>
+        <p:nvPr/>
+      </p:nvGrpSpPr>
+      <p:grpSpPr>
+        <a:xfrm>
+          <a:off x="0" y="0"/>
+          <a:ext cx="0" cy="0"/>
+          <a:chOff x="0" y="0"/>
+          <a:chExt cx="0" cy="0"/>
+        </a:xfrm>
+      </p:grpSpPr>
+      <p:sp>
+        <p:nvSpPr>
           <p:cNvPr id="2" name="タイトル 1">
             <a:extLst>
               <a:ext uri="{FF2B5EF4-FFF2-40B4-BE49-F238E27FC236}">
@@ -5905,7 +7086,7 @@
 </p:sld>
 </file>
 
-<file path=ppt/slides/slide11.xml><?xml version="1.0" encoding="utf-8"?>
+<file path=ppt/slides/slide13.xml><?xml version="1.0" encoding="utf-8"?>
 <p:sld xmlns:a="http://schemas.openxmlformats.org/drawingml/2006/main" xmlns:r="http://schemas.openxmlformats.org/officeDocument/2006/relationships" xmlns:p="http://schemas.openxmlformats.org/presentationml/2006/main">
   <p:cSld>
     <p:spTree>
@@ -7637,7 +8818,7 @@
 </p:sld>
 </file>
 
-<file path=ppt/slides/slide12.xml><?xml version="1.0" encoding="utf-8"?>
+<file path=ppt/slides/slide14.xml><?xml version="1.0" encoding="utf-8"?>
 <p:sld xmlns:a="http://schemas.openxmlformats.org/drawingml/2006/main" xmlns:r="http://schemas.openxmlformats.org/officeDocument/2006/relationships" xmlns:p="http://schemas.openxmlformats.org/presentationml/2006/main">
   <p:cSld>
     <p:spTree>
@@ -7677,7 +8858,7 @@
           <a:p>
             <a:r>
               <a:rPr kumimoji="1" lang="ja-JP" altLang="en-US" dirty="0"/>
-              <a:t>仕様定義</a:t>
+              <a:t>出力される仕様定義</a:t>
             </a:r>
             <a:r>
               <a:rPr kumimoji="1" lang="en-US" altLang="ja-JP" dirty="0"/>
@@ -9701,7 +10882,7 @@
 </p:sld>
 </file>
 
-<file path=ppt/slides/slide13.xml><?xml version="1.0" encoding="utf-8"?>
+<file path=ppt/slides/slide15.xml><?xml version="1.0" encoding="utf-8"?>
 <p:sld xmlns:a="http://schemas.openxmlformats.org/drawingml/2006/main" xmlns:r="http://schemas.openxmlformats.org/officeDocument/2006/relationships" xmlns:p="http://schemas.openxmlformats.org/presentationml/2006/main">
   <p:cSld>
     <p:spTree>
@@ -11324,7 +12505,7 @@
 </p:sld>
 </file>
 
-<file path=ppt/slides/slide14.xml><?xml version="1.0" encoding="utf-8"?>
+<file path=ppt/slides/slide16.xml><?xml version="1.0" encoding="utf-8"?>
 <p:sld xmlns:a="http://schemas.openxmlformats.org/drawingml/2006/main" xmlns:r="http://schemas.openxmlformats.org/officeDocument/2006/relationships" xmlns:p="http://schemas.openxmlformats.org/presentationml/2006/main">
   <p:cSld>
     <p:spTree>
@@ -13483,7 +14664,7 @@
 </p:sld>
 </file>
 
-<file path=ppt/slides/slide15.xml><?xml version="1.0" encoding="utf-8"?>
+<file path=ppt/slides/slide17.xml><?xml version="1.0" encoding="utf-8"?>
 <p:sld xmlns:a="http://schemas.openxmlformats.org/drawingml/2006/main" xmlns:r="http://schemas.openxmlformats.org/officeDocument/2006/relationships" xmlns:p="http://schemas.openxmlformats.org/presentationml/2006/main">
   <p:cSld>
     <p:spTree>
@@ -14384,7 +15565,7 @@
 </p:sld>
 </file>
 
-<file path=ppt/slides/slide16.xml><?xml version="1.0" encoding="utf-8"?>
+<file path=ppt/slides/slide18.xml><?xml version="1.0" encoding="utf-8"?>
 <p:sld xmlns:a="http://schemas.openxmlformats.org/drawingml/2006/main" xmlns:r="http://schemas.openxmlformats.org/officeDocument/2006/relationships" xmlns:p="http://schemas.openxmlformats.org/presentationml/2006/main">
   <p:cSld>
     <p:spTree>
@@ -14688,7 +15869,7 @@
 </p:sld>
 </file>
 
-<file path=ppt/slides/slide17.xml><?xml version="1.0" encoding="utf-8"?>
+<file path=ppt/slides/slide19.xml><?xml version="1.0" encoding="utf-8"?>
 <p:sld xmlns:a="http://schemas.openxmlformats.org/drawingml/2006/main" xmlns:r="http://schemas.openxmlformats.org/officeDocument/2006/relationships" xmlns:p="http://schemas.openxmlformats.org/presentationml/2006/main">
   <p:cSld>
     <p:spTree>
@@ -14839,311 +16020,6 @@
     <p:extLst>
       <p:ext uri="{BB962C8B-B14F-4D97-AF65-F5344CB8AC3E}">
         <p14:creationId xmlns:p14="http://schemas.microsoft.com/office/powerpoint/2010/main" val="1046349783"/>
-      </p:ext>
-    </p:extLst>
-  </p:cSld>
-  <p:clrMapOvr>
-    <a:masterClrMapping/>
-  </p:clrMapOvr>
-</p:sld>
-</file>
-
-<file path=ppt/slides/slide18.xml><?xml version="1.0" encoding="utf-8"?>
-<p:sld xmlns:a="http://schemas.openxmlformats.org/drawingml/2006/main" xmlns:r="http://schemas.openxmlformats.org/officeDocument/2006/relationships" xmlns:p="http://schemas.openxmlformats.org/presentationml/2006/main">
-  <p:cSld>
-    <p:spTree>
-      <p:nvGrpSpPr>
-        <p:cNvPr id="1" name=""/>
-        <p:cNvGrpSpPr/>
-        <p:nvPr/>
-      </p:nvGrpSpPr>
-      <p:grpSpPr>
-        <a:xfrm>
-          <a:off x="0" y="0"/>
-          <a:ext cx="0" cy="0"/>
-          <a:chOff x="0" y="0"/>
-          <a:chExt cx="0" cy="0"/>
-        </a:xfrm>
-      </p:grpSpPr>
-    </p:spTree>
-    <p:extLst>
-      <p:ext uri="{BB962C8B-B14F-4D97-AF65-F5344CB8AC3E}">
-        <p14:creationId xmlns:p14="http://schemas.microsoft.com/office/powerpoint/2010/main" val="694134030"/>
-      </p:ext>
-    </p:extLst>
-  </p:cSld>
-  <p:clrMapOvr>
-    <a:masterClrMapping/>
-  </p:clrMapOvr>
-</p:sld>
-</file>
-
-<file path=ppt/slides/slide19.xml><?xml version="1.0" encoding="utf-8"?>
-<p:sld xmlns:a="http://schemas.openxmlformats.org/drawingml/2006/main" xmlns:r="http://schemas.openxmlformats.org/officeDocument/2006/relationships" xmlns:p="http://schemas.openxmlformats.org/presentationml/2006/main">
-  <p:cSld>
-    <p:spTree>
-      <p:nvGrpSpPr>
-        <p:cNvPr id="1" name=""/>
-        <p:cNvGrpSpPr/>
-        <p:nvPr/>
-      </p:nvGrpSpPr>
-      <p:grpSpPr>
-        <a:xfrm>
-          <a:off x="0" y="0"/>
-          <a:ext cx="0" cy="0"/>
-          <a:chOff x="0" y="0"/>
-          <a:chExt cx="0" cy="0"/>
-        </a:xfrm>
-      </p:grpSpPr>
-      <p:sp>
-        <p:nvSpPr>
-          <p:cNvPr id="2" name="タイトル 1">
-            <a:extLst>
-              <a:ext uri="{FF2B5EF4-FFF2-40B4-BE49-F238E27FC236}">
-                <a16:creationId xmlns:a16="http://schemas.microsoft.com/office/drawing/2014/main" id="{05C31C7F-A67B-7FC1-8EF6-C3BC99619D5D}"/>
-              </a:ext>
-            </a:extLst>
-          </p:cNvPr>
-          <p:cNvSpPr>
-            <a:spLocks noGrp="1"/>
-          </p:cNvSpPr>
-          <p:nvPr>
-            <p:ph type="title"/>
-          </p:nvPr>
-        </p:nvSpPr>
-        <p:spPr/>
-        <p:txBody>
-          <a:bodyPr/>
-          <a:lstStyle/>
-          <a:p>
-            <a:r>
-              <a:rPr lang="ja-JP" altLang="en-US" dirty="0"/>
-              <a:t>相談事項</a:t>
-            </a:r>
-            <a:endParaRPr kumimoji="1" lang="ja-JP" altLang="en-US" dirty="0"/>
-          </a:p>
-        </p:txBody>
-      </p:sp>
-      <p:sp>
-        <p:nvSpPr>
-          <p:cNvPr id="3" name="コンテンツ プレースホルダー 2">
-            <a:extLst>
-              <a:ext uri="{FF2B5EF4-FFF2-40B4-BE49-F238E27FC236}">
-                <a16:creationId xmlns:a16="http://schemas.microsoft.com/office/drawing/2014/main" id="{EBFC760D-1705-1823-6047-CC7C108BA120}"/>
-              </a:ext>
-            </a:extLst>
-          </p:cNvPr>
-          <p:cNvSpPr>
-            <a:spLocks noGrp="1"/>
-          </p:cNvSpPr>
-          <p:nvPr>
-            <p:ph idx="1"/>
-          </p:nvPr>
-        </p:nvSpPr>
-        <p:spPr/>
-        <p:txBody>
-          <a:bodyPr/>
-          <a:lstStyle/>
-          <a:p>
-            <a:r>
-              <a:rPr lang="ja-JP" altLang="en-US" dirty="0"/>
-              <a:t>被験者</a:t>
-            </a:r>
-            <a:r>
-              <a:rPr lang="en-US" altLang="ja-JP" dirty="0"/>
-              <a:t>(</a:t>
-            </a:r>
-            <a:r>
-              <a:rPr lang="ja-JP" altLang="en-US" dirty="0"/>
-              <a:t>端末開発者・管理者両方</a:t>
-            </a:r>
-            <a:r>
-              <a:rPr lang="en-US" altLang="ja-JP" dirty="0"/>
-              <a:t>)/</a:t>
-            </a:r>
-            <a:r>
-              <a:rPr lang="ja-JP" altLang="en-US" dirty="0"/>
-              <a:t>テスタの不足</a:t>
-            </a:r>
-            <a:endParaRPr lang="en-US" altLang="ja-JP" dirty="0"/>
-          </a:p>
-          <a:p>
-            <a:pPr lvl="1"/>
-            <a:r>
-              <a:rPr lang="ja-JP" altLang="en-US" dirty="0"/>
-              <a:t>共同研究先の確保</a:t>
-            </a:r>
-            <a:endParaRPr lang="en-US" altLang="ja-JP" dirty="0"/>
-          </a:p>
-          <a:p>
-            <a:endParaRPr kumimoji="1" lang="en-US" altLang="ja-JP" dirty="0"/>
-          </a:p>
-          <a:p>
-            <a:r>
-              <a:rPr kumimoji="1" lang="ja-JP" altLang="en-US" dirty="0"/>
-              <a:t>あまりお金がない</a:t>
-            </a:r>
-            <a:endParaRPr kumimoji="1" lang="en-US" altLang="ja-JP" dirty="0"/>
-          </a:p>
-          <a:p>
-            <a:pPr lvl="1"/>
-            <a:r>
-              <a:rPr lang="ja-JP" altLang="en-US" dirty="0"/>
-              <a:t>論文向けの評価で被験者をお金で集めるのが困難</a:t>
-            </a:r>
-            <a:r>
-              <a:rPr lang="en-US" altLang="ja-JP" dirty="0"/>
-              <a:t>(</a:t>
-            </a:r>
-            <a:r>
-              <a:rPr lang="ja-JP" altLang="en-US" dirty="0"/>
-              <a:t>来年度ならなんとか</a:t>
-            </a:r>
-            <a:r>
-              <a:rPr lang="en-US" altLang="ja-JP" dirty="0"/>
-              <a:t>)</a:t>
-            </a:r>
-            <a:endParaRPr kumimoji="1" lang="en-US" altLang="ja-JP" dirty="0"/>
-          </a:p>
-        </p:txBody>
-      </p:sp>
-      <p:sp>
-        <p:nvSpPr>
-          <p:cNvPr id="5" name="吹き出し: 四角形 4">
-            <a:extLst>
-              <a:ext uri="{FF2B5EF4-FFF2-40B4-BE49-F238E27FC236}">
-                <a16:creationId xmlns:a16="http://schemas.microsoft.com/office/drawing/2014/main" id="{71AAF891-2BC9-A0B1-6B0A-127419197B79}"/>
-              </a:ext>
-            </a:extLst>
-          </p:cNvPr>
-          <p:cNvSpPr/>
-          <p:nvPr/>
-        </p:nvSpPr>
-        <p:spPr>
-          <a:xfrm>
-            <a:off x="2926080" y="1340494"/>
-            <a:ext cx="2382383" cy="508077"/>
-          </a:xfrm>
-          <a:prstGeom prst="wedgeRectCallout">
-            <a:avLst>
-              <a:gd name="adj1" fmla="val -62517"/>
-              <a:gd name="adj2" fmla="val -20468"/>
-            </a:avLst>
-          </a:prstGeom>
-          <a:solidFill>
-            <a:srgbClr val="FFFFE7"/>
-          </a:solidFill>
-          <a:ln>
-            <a:solidFill>
-              <a:schemeClr val="tx1">
-                <a:lumMod val="50000"/>
-                <a:lumOff val="50000"/>
-              </a:schemeClr>
-            </a:solidFill>
-          </a:ln>
-        </p:spPr>
-        <p:style>
-          <a:lnRef idx="2">
-            <a:schemeClr val="accent1">
-              <a:shade val="15000"/>
-            </a:schemeClr>
-          </a:lnRef>
-          <a:fillRef idx="1">
-            <a:schemeClr val="accent1"/>
-          </a:fillRef>
-          <a:effectRef idx="0">
-            <a:schemeClr val="accent1"/>
-          </a:effectRef>
-          <a:fontRef idx="minor">
-            <a:schemeClr val="lt1"/>
-          </a:fontRef>
-        </p:style>
-        <p:txBody>
-          <a:bodyPr rtlCol="0" anchor="ctr"/>
-          <a:lstStyle/>
-          <a:p>
-            <a:pPr algn="ctr"/>
-            <a:r>
-              <a:rPr kumimoji="1" lang="ja-JP" altLang="en-US" dirty="0">
-                <a:solidFill>
-                  <a:schemeClr val="tx1"/>
-                </a:solidFill>
-                <a:latin typeface="Arial" panose="020B0604020202020204" pitchFamily="34" charset="0"/>
-                <a:ea typeface="メイリオ" panose="020B0604030504040204" pitchFamily="50" charset="-128"/>
-                <a:cs typeface="Arial" panose="020B0604020202020204" pitchFamily="34" charset="0"/>
-              </a:rPr>
-              <a:t>メインの相談事項</a:t>
-            </a:r>
-          </a:p>
-        </p:txBody>
-      </p:sp>
-      <p:sp>
-        <p:nvSpPr>
-          <p:cNvPr id="6" name="四角形: 角を丸くする 5">
-            <a:extLst>
-              <a:ext uri="{FF2B5EF4-FFF2-40B4-BE49-F238E27FC236}">
-                <a16:creationId xmlns:a16="http://schemas.microsoft.com/office/drawing/2014/main" id="{BCFA1514-4C77-1F16-3820-2B5EE8895AF1}"/>
-              </a:ext>
-            </a:extLst>
-          </p:cNvPr>
-          <p:cNvSpPr/>
-          <p:nvPr/>
-        </p:nvSpPr>
-        <p:spPr>
-          <a:xfrm>
-            <a:off x="1171421" y="3479663"/>
-            <a:ext cx="6054810" cy="713437"/>
-          </a:xfrm>
-          <a:prstGeom prst="roundRect">
-            <a:avLst/>
-          </a:prstGeom>
-          <a:solidFill>
-            <a:srgbClr val="FFEFFF"/>
-          </a:solidFill>
-          <a:ln>
-            <a:solidFill>
-              <a:schemeClr val="bg1">
-                <a:lumMod val="75000"/>
-              </a:schemeClr>
-            </a:solidFill>
-          </a:ln>
-        </p:spPr>
-        <p:style>
-          <a:lnRef idx="2">
-            <a:schemeClr val="accent1">
-              <a:shade val="50000"/>
-            </a:schemeClr>
-          </a:lnRef>
-          <a:fillRef idx="1">
-            <a:schemeClr val="accent1"/>
-          </a:fillRef>
-          <a:effectRef idx="0">
-            <a:schemeClr val="accent1"/>
-          </a:effectRef>
-          <a:fontRef idx="minor">
-            <a:schemeClr val="lt1"/>
-          </a:fontRef>
-        </p:style>
-        <p:txBody>
-          <a:bodyPr rtlCol="0" anchor="ctr"/>
-          <a:lstStyle/>
-          <a:p>
-            <a:pPr algn="ctr"/>
-            <a:r>
-              <a:rPr kumimoji="1" lang="ja-JP" altLang="en-US" dirty="0">
-                <a:solidFill>
-                  <a:schemeClr val="tx1"/>
-                </a:solidFill>
-              </a:rPr>
-              <a:t>自分一人でできる論文向けの評価があればなお良い．</a:t>
-            </a:r>
-          </a:p>
-        </p:txBody>
-      </p:sp>
-    </p:spTree>
-    <p:extLst>
-      <p:ext uri="{BB962C8B-B14F-4D97-AF65-F5344CB8AC3E}">
-        <p14:creationId xmlns:p14="http://schemas.microsoft.com/office/powerpoint/2010/main" val="1769115896"/>
       </p:ext>
     </p:extLst>
   </p:cSld>
@@ -16724,6 +17600,311 @@
 </p:sld>
 </file>
 
+<file path=ppt/slides/slide20.xml><?xml version="1.0" encoding="utf-8"?>
+<p:sld xmlns:a="http://schemas.openxmlformats.org/drawingml/2006/main" xmlns:r="http://schemas.openxmlformats.org/officeDocument/2006/relationships" xmlns:p="http://schemas.openxmlformats.org/presentationml/2006/main">
+  <p:cSld>
+    <p:spTree>
+      <p:nvGrpSpPr>
+        <p:cNvPr id="1" name=""/>
+        <p:cNvGrpSpPr/>
+        <p:nvPr/>
+      </p:nvGrpSpPr>
+      <p:grpSpPr>
+        <a:xfrm>
+          <a:off x="0" y="0"/>
+          <a:ext cx="0" cy="0"/>
+          <a:chOff x="0" y="0"/>
+          <a:chExt cx="0" cy="0"/>
+        </a:xfrm>
+      </p:grpSpPr>
+    </p:spTree>
+    <p:extLst>
+      <p:ext uri="{BB962C8B-B14F-4D97-AF65-F5344CB8AC3E}">
+        <p14:creationId xmlns:p14="http://schemas.microsoft.com/office/powerpoint/2010/main" val="694134030"/>
+      </p:ext>
+    </p:extLst>
+  </p:cSld>
+  <p:clrMapOvr>
+    <a:masterClrMapping/>
+  </p:clrMapOvr>
+</p:sld>
+</file>
+
+<file path=ppt/slides/slide21.xml><?xml version="1.0" encoding="utf-8"?>
+<p:sld xmlns:a="http://schemas.openxmlformats.org/drawingml/2006/main" xmlns:r="http://schemas.openxmlformats.org/officeDocument/2006/relationships" xmlns:p="http://schemas.openxmlformats.org/presentationml/2006/main">
+  <p:cSld>
+    <p:spTree>
+      <p:nvGrpSpPr>
+        <p:cNvPr id="1" name=""/>
+        <p:cNvGrpSpPr/>
+        <p:nvPr/>
+      </p:nvGrpSpPr>
+      <p:grpSpPr>
+        <a:xfrm>
+          <a:off x="0" y="0"/>
+          <a:ext cx="0" cy="0"/>
+          <a:chOff x="0" y="0"/>
+          <a:chExt cx="0" cy="0"/>
+        </a:xfrm>
+      </p:grpSpPr>
+      <p:sp>
+        <p:nvSpPr>
+          <p:cNvPr id="2" name="タイトル 1">
+            <a:extLst>
+              <a:ext uri="{FF2B5EF4-FFF2-40B4-BE49-F238E27FC236}">
+                <a16:creationId xmlns:a16="http://schemas.microsoft.com/office/drawing/2014/main" id="{05C31C7F-A67B-7FC1-8EF6-C3BC99619D5D}"/>
+              </a:ext>
+            </a:extLst>
+          </p:cNvPr>
+          <p:cNvSpPr>
+            <a:spLocks noGrp="1"/>
+          </p:cNvSpPr>
+          <p:nvPr>
+            <p:ph type="title"/>
+          </p:nvPr>
+        </p:nvSpPr>
+        <p:spPr/>
+        <p:txBody>
+          <a:bodyPr/>
+          <a:lstStyle/>
+          <a:p>
+            <a:r>
+              <a:rPr lang="ja-JP" altLang="en-US" dirty="0"/>
+              <a:t>相談事項</a:t>
+            </a:r>
+            <a:endParaRPr kumimoji="1" lang="ja-JP" altLang="en-US" dirty="0"/>
+          </a:p>
+        </p:txBody>
+      </p:sp>
+      <p:sp>
+        <p:nvSpPr>
+          <p:cNvPr id="3" name="コンテンツ プレースホルダー 2">
+            <a:extLst>
+              <a:ext uri="{FF2B5EF4-FFF2-40B4-BE49-F238E27FC236}">
+                <a16:creationId xmlns:a16="http://schemas.microsoft.com/office/drawing/2014/main" id="{EBFC760D-1705-1823-6047-CC7C108BA120}"/>
+              </a:ext>
+            </a:extLst>
+          </p:cNvPr>
+          <p:cNvSpPr>
+            <a:spLocks noGrp="1"/>
+          </p:cNvSpPr>
+          <p:nvPr>
+            <p:ph idx="1"/>
+          </p:nvPr>
+        </p:nvSpPr>
+        <p:spPr/>
+        <p:txBody>
+          <a:bodyPr/>
+          <a:lstStyle/>
+          <a:p>
+            <a:r>
+              <a:rPr lang="ja-JP" altLang="en-US" dirty="0"/>
+              <a:t>被験者</a:t>
+            </a:r>
+            <a:r>
+              <a:rPr lang="en-US" altLang="ja-JP" dirty="0"/>
+              <a:t>(</a:t>
+            </a:r>
+            <a:r>
+              <a:rPr lang="ja-JP" altLang="en-US" dirty="0"/>
+              <a:t>端末開発者・管理者両方</a:t>
+            </a:r>
+            <a:r>
+              <a:rPr lang="en-US" altLang="ja-JP" dirty="0"/>
+              <a:t>)/</a:t>
+            </a:r>
+            <a:r>
+              <a:rPr lang="ja-JP" altLang="en-US" dirty="0"/>
+              <a:t>テスタの不足</a:t>
+            </a:r>
+            <a:endParaRPr lang="en-US" altLang="ja-JP" dirty="0"/>
+          </a:p>
+          <a:p>
+            <a:pPr lvl="1"/>
+            <a:r>
+              <a:rPr lang="ja-JP" altLang="en-US" dirty="0"/>
+              <a:t>共同研究先の確保</a:t>
+            </a:r>
+            <a:endParaRPr lang="en-US" altLang="ja-JP" dirty="0"/>
+          </a:p>
+          <a:p>
+            <a:endParaRPr kumimoji="1" lang="en-US" altLang="ja-JP" dirty="0"/>
+          </a:p>
+          <a:p>
+            <a:r>
+              <a:rPr kumimoji="1" lang="ja-JP" altLang="en-US" dirty="0"/>
+              <a:t>あまりお金がない</a:t>
+            </a:r>
+            <a:endParaRPr kumimoji="1" lang="en-US" altLang="ja-JP" dirty="0"/>
+          </a:p>
+          <a:p>
+            <a:pPr lvl="1"/>
+            <a:r>
+              <a:rPr lang="ja-JP" altLang="en-US" dirty="0"/>
+              <a:t>論文向けの評価で被験者をお金で集めるのが困難</a:t>
+            </a:r>
+            <a:r>
+              <a:rPr lang="en-US" altLang="ja-JP" dirty="0"/>
+              <a:t>(</a:t>
+            </a:r>
+            <a:r>
+              <a:rPr lang="ja-JP" altLang="en-US" dirty="0"/>
+              <a:t>来年度ならなんとか</a:t>
+            </a:r>
+            <a:r>
+              <a:rPr lang="en-US" altLang="ja-JP" dirty="0"/>
+              <a:t>)</a:t>
+            </a:r>
+            <a:endParaRPr kumimoji="1" lang="en-US" altLang="ja-JP" dirty="0"/>
+          </a:p>
+        </p:txBody>
+      </p:sp>
+      <p:sp>
+        <p:nvSpPr>
+          <p:cNvPr id="5" name="吹き出し: 四角形 4">
+            <a:extLst>
+              <a:ext uri="{FF2B5EF4-FFF2-40B4-BE49-F238E27FC236}">
+                <a16:creationId xmlns:a16="http://schemas.microsoft.com/office/drawing/2014/main" id="{71AAF891-2BC9-A0B1-6B0A-127419197B79}"/>
+              </a:ext>
+            </a:extLst>
+          </p:cNvPr>
+          <p:cNvSpPr/>
+          <p:nvPr/>
+        </p:nvSpPr>
+        <p:spPr>
+          <a:xfrm>
+            <a:off x="2926080" y="1340494"/>
+            <a:ext cx="2382383" cy="508077"/>
+          </a:xfrm>
+          <a:prstGeom prst="wedgeRectCallout">
+            <a:avLst>
+              <a:gd name="adj1" fmla="val -62517"/>
+              <a:gd name="adj2" fmla="val -20468"/>
+            </a:avLst>
+          </a:prstGeom>
+          <a:solidFill>
+            <a:srgbClr val="FFFFE7"/>
+          </a:solidFill>
+          <a:ln>
+            <a:solidFill>
+              <a:schemeClr val="tx1">
+                <a:lumMod val="50000"/>
+                <a:lumOff val="50000"/>
+              </a:schemeClr>
+            </a:solidFill>
+          </a:ln>
+        </p:spPr>
+        <p:style>
+          <a:lnRef idx="2">
+            <a:schemeClr val="accent1">
+              <a:shade val="15000"/>
+            </a:schemeClr>
+          </a:lnRef>
+          <a:fillRef idx="1">
+            <a:schemeClr val="accent1"/>
+          </a:fillRef>
+          <a:effectRef idx="0">
+            <a:schemeClr val="accent1"/>
+          </a:effectRef>
+          <a:fontRef idx="minor">
+            <a:schemeClr val="lt1"/>
+          </a:fontRef>
+        </p:style>
+        <p:txBody>
+          <a:bodyPr rtlCol="0" anchor="ctr"/>
+          <a:lstStyle/>
+          <a:p>
+            <a:pPr algn="ctr"/>
+            <a:r>
+              <a:rPr kumimoji="1" lang="ja-JP" altLang="en-US" dirty="0">
+                <a:solidFill>
+                  <a:schemeClr val="tx1"/>
+                </a:solidFill>
+                <a:latin typeface="Arial" panose="020B0604020202020204" pitchFamily="34" charset="0"/>
+                <a:ea typeface="メイリオ" panose="020B0604030504040204" pitchFamily="50" charset="-128"/>
+                <a:cs typeface="Arial" panose="020B0604020202020204" pitchFamily="34" charset="0"/>
+              </a:rPr>
+              <a:t>メインの相談事項</a:t>
+            </a:r>
+          </a:p>
+        </p:txBody>
+      </p:sp>
+      <p:sp>
+        <p:nvSpPr>
+          <p:cNvPr id="6" name="四角形: 角を丸くする 5">
+            <a:extLst>
+              <a:ext uri="{FF2B5EF4-FFF2-40B4-BE49-F238E27FC236}">
+                <a16:creationId xmlns:a16="http://schemas.microsoft.com/office/drawing/2014/main" id="{BCFA1514-4C77-1F16-3820-2B5EE8895AF1}"/>
+              </a:ext>
+            </a:extLst>
+          </p:cNvPr>
+          <p:cNvSpPr/>
+          <p:nvPr/>
+        </p:nvSpPr>
+        <p:spPr>
+          <a:xfrm>
+            <a:off x="1171421" y="3479663"/>
+            <a:ext cx="6054810" cy="713437"/>
+          </a:xfrm>
+          <a:prstGeom prst="roundRect">
+            <a:avLst/>
+          </a:prstGeom>
+          <a:solidFill>
+            <a:srgbClr val="FFEFFF"/>
+          </a:solidFill>
+          <a:ln>
+            <a:solidFill>
+              <a:schemeClr val="bg1">
+                <a:lumMod val="75000"/>
+              </a:schemeClr>
+            </a:solidFill>
+          </a:ln>
+        </p:spPr>
+        <p:style>
+          <a:lnRef idx="2">
+            <a:schemeClr val="accent1">
+              <a:shade val="50000"/>
+            </a:schemeClr>
+          </a:lnRef>
+          <a:fillRef idx="1">
+            <a:schemeClr val="accent1"/>
+          </a:fillRef>
+          <a:effectRef idx="0">
+            <a:schemeClr val="accent1"/>
+          </a:effectRef>
+          <a:fontRef idx="minor">
+            <a:schemeClr val="lt1"/>
+          </a:fontRef>
+        </p:style>
+        <p:txBody>
+          <a:bodyPr rtlCol="0" anchor="ctr"/>
+          <a:lstStyle/>
+          <a:p>
+            <a:pPr algn="ctr"/>
+            <a:r>
+              <a:rPr kumimoji="1" lang="ja-JP" altLang="en-US" dirty="0">
+                <a:solidFill>
+                  <a:schemeClr val="tx1"/>
+                </a:solidFill>
+              </a:rPr>
+              <a:t>自分一人でできる論文向けの評価があればなお良い．</a:t>
+            </a:r>
+          </a:p>
+        </p:txBody>
+      </p:sp>
+    </p:spTree>
+    <p:extLst>
+      <p:ext uri="{BB962C8B-B14F-4D97-AF65-F5344CB8AC3E}">
+        <p14:creationId xmlns:p14="http://schemas.microsoft.com/office/powerpoint/2010/main" val="1769115896"/>
+      </p:ext>
+    </p:extLst>
+  </p:cSld>
+  <p:clrMapOvr>
+    <a:masterClrMapping/>
+  </p:clrMapOvr>
+</p:sld>
+</file>
+
 <file path=ppt/slides/slide3.xml><?xml version="1.0" encoding="utf-8"?>
 <p:sld xmlns:a="http://schemas.openxmlformats.org/drawingml/2006/main" xmlns:r="http://schemas.openxmlformats.org/officeDocument/2006/relationships" xmlns:p="http://schemas.openxmlformats.org/presentationml/2006/main">
   <p:cSld>
@@ -18008,8 +19189,20 @@
           <a:p>
             <a:pPr lvl="3"/>
             <a:r>
+              <a:rPr kumimoji="1" lang="en-US" altLang="ja-JP" dirty="0"/>
+              <a:t>SD/</a:t>
+            </a:r>
+            <a:r>
               <a:rPr kumimoji="1" lang="ja-JP" altLang="en-US" dirty="0"/>
-              <a:t>スケッチは動くが配線に問題あり</a:t>
+              <a:t>マイクロ</a:t>
+            </a:r>
+            <a:r>
+              <a:rPr kumimoji="1" lang="en-US" altLang="ja-JP" dirty="0"/>
+              <a:t>SD</a:t>
+            </a:r>
+            <a:r>
+              <a:rPr kumimoji="1" lang="ja-JP" altLang="en-US" dirty="0"/>
+              <a:t>に問題あり</a:t>
             </a:r>
           </a:p>
         </p:txBody>
@@ -18152,32 +19345,13 @@
                   <a:schemeClr val="tx1"/>
                 </a:solidFill>
               </a:rPr>
-              <a:t>ファミリ </a:t>
-            </a:r>
-            <a:r>
-              <a:rPr kumimoji="1" lang="en-US" altLang="ja-JP" sz="1200" dirty="0">
-                <a:solidFill>
-                  <a:schemeClr val="tx1"/>
-                </a:solidFill>
-              </a:rPr>
-              <a:t>(SAMD</a:t>
-            </a:r>
-            <a:r>
-              <a:rPr kumimoji="1" lang="ja-JP" altLang="en-US" sz="1200" dirty="0">
-                <a:solidFill>
-                  <a:schemeClr val="tx1"/>
-                </a:solidFill>
-              </a:rPr>
-              <a:t>アーキテクチャの機種</a:t>
-            </a:r>
-            <a:r>
-              <a:rPr kumimoji="1" lang="en-US" altLang="ja-JP" sz="1200" dirty="0">
-                <a:solidFill>
-                  <a:schemeClr val="tx1"/>
-                </a:solidFill>
-              </a:rPr>
-              <a:t>)</a:t>
-            </a:r>
+              <a:t>ファミリ</a:t>
+            </a:r>
+            <a:endParaRPr kumimoji="1" lang="en-US" altLang="ja-JP" sz="1200" dirty="0">
+              <a:solidFill>
+                <a:schemeClr val="tx1"/>
+              </a:solidFill>
+            </a:endParaRPr>
           </a:p>
           <a:p>
             <a:r>
@@ -20110,7 +21284,13 @@
   <p:cSld>
     <p:spTree>
       <p:nvGrpSpPr>
-        <p:cNvPr id="1" name=""/>
+        <p:cNvPr id="1" name="">
+          <a:extLst>
+            <a:ext uri="{FF2B5EF4-FFF2-40B4-BE49-F238E27FC236}">
+              <a16:creationId xmlns:a16="http://schemas.microsoft.com/office/drawing/2014/main" id="{1DE1A8E9-B9C4-E54A-A34C-C90CF8EBBBBC}"/>
+            </a:ext>
+          </a:extLst>
+        </p:cNvPr>
         <p:cNvGrpSpPr/>
         <p:nvPr/>
       </p:nvGrpSpPr>
@@ -20124,99 +21304,10 @@
       </p:grpSpPr>
       <p:sp>
         <p:nvSpPr>
-          <p:cNvPr id="11" name="雲 10">
-            <a:extLst>
-              <a:ext uri="{FF2B5EF4-FFF2-40B4-BE49-F238E27FC236}">
-                <a16:creationId xmlns:a16="http://schemas.microsoft.com/office/drawing/2014/main" id="{EA71CD94-3182-0A17-7B24-260383B250AD}"/>
-              </a:ext>
-            </a:extLst>
-          </p:cNvPr>
-          <p:cNvSpPr/>
-          <p:nvPr/>
-        </p:nvSpPr>
-        <p:spPr>
-          <a:xfrm>
-            <a:off x="5861552" y="1968699"/>
-            <a:ext cx="1154757" cy="804672"/>
-          </a:xfrm>
-          <a:prstGeom prst="cloud">
-            <a:avLst/>
-          </a:prstGeom>
-          <a:solidFill>
-            <a:schemeClr val="bg1">
-              <a:lumMod val="95000"/>
-            </a:schemeClr>
-          </a:solidFill>
-          <a:ln>
-            <a:solidFill>
-              <a:schemeClr val="bg1">
-                <a:lumMod val="75000"/>
-              </a:schemeClr>
-            </a:solidFill>
-          </a:ln>
-        </p:spPr>
-        <p:style>
-          <a:lnRef idx="2">
-            <a:schemeClr val="accent1">
-              <a:shade val="50000"/>
-            </a:schemeClr>
-          </a:lnRef>
-          <a:fillRef idx="1">
-            <a:schemeClr val="accent1"/>
-          </a:fillRef>
-          <a:effectRef idx="0">
-            <a:schemeClr val="accent1"/>
-          </a:effectRef>
-          <a:fontRef idx="minor">
-            <a:schemeClr val="lt1"/>
-          </a:fontRef>
-        </p:style>
-        <p:txBody>
-          <a:bodyPr rtlCol="0" anchor="ctr"/>
-          <a:lstStyle/>
-          <a:p>
-            <a:pPr algn="ctr"/>
-            <a:r>
-              <a:rPr kumimoji="1" lang="ja-JP" altLang="en-US" sz="1100" dirty="0">
-                <a:solidFill>
-                  <a:schemeClr val="tx1"/>
-                </a:solidFill>
-              </a:rPr>
-              <a:t>センサ用</a:t>
-            </a:r>
-            <a:endParaRPr kumimoji="1" lang="en-US" altLang="ja-JP" sz="1100" dirty="0">
-              <a:solidFill>
-                <a:schemeClr val="tx1"/>
-              </a:solidFill>
-            </a:endParaRPr>
-          </a:p>
-          <a:p>
-            <a:pPr algn="ctr"/>
-            <a:r>
-              <a:rPr kumimoji="1" lang="en-US" altLang="ja-JP" sz="1100" dirty="0">
-                <a:solidFill>
-                  <a:schemeClr val="tx1"/>
-                </a:solidFill>
-              </a:rPr>
-              <a:t>IP</a:t>
-            </a:r>
-            <a:r>
-              <a:rPr kumimoji="1" lang="ja-JP" altLang="en-US" sz="1100" dirty="0">
-                <a:solidFill>
-                  <a:schemeClr val="tx1"/>
-                </a:solidFill>
-              </a:rPr>
-              <a:t>網</a:t>
-            </a:r>
-          </a:p>
-        </p:txBody>
-      </p:sp>
-      <p:sp>
-        <p:nvSpPr>
           <p:cNvPr id="2" name="タイトル 1">
             <a:extLst>
               <a:ext uri="{FF2B5EF4-FFF2-40B4-BE49-F238E27FC236}">
-                <a16:creationId xmlns:a16="http://schemas.microsoft.com/office/drawing/2014/main" id="{16B09375-8E36-C640-4753-9A0B62AD897A}"/>
+                <a16:creationId xmlns:a16="http://schemas.microsoft.com/office/drawing/2014/main" id="{A93AF612-575A-0B9A-B661-6796B9B9E46B}"/>
               </a:ext>
             </a:extLst>
           </p:cNvPr>
@@ -20229,22 +21320,24 @@
         </p:nvSpPr>
         <p:spPr/>
         <p:txBody>
-          <a:bodyPr/>
+          <a:bodyPr>
+            <a:normAutofit/>
+          </a:bodyPr>
           <a:lstStyle/>
           <a:p>
             <a:r>
               <a:rPr kumimoji="1" lang="ja-JP" altLang="en-US" dirty="0"/>
-              <a:t>想定する人材</a:t>
+              <a:t>端末仕様作成アプリ</a:t>
             </a:r>
           </a:p>
         </p:txBody>
       </p:sp>
       <p:sp>
         <p:nvSpPr>
-          <p:cNvPr id="16" name="コンテンツ プレースホルダー 15">
+          <p:cNvPr id="3" name="スライド番号プレースホルダー 2">
             <a:extLst>
               <a:ext uri="{FF2B5EF4-FFF2-40B4-BE49-F238E27FC236}">
-                <a16:creationId xmlns:a16="http://schemas.microsoft.com/office/drawing/2014/main" id="{C892717E-B1F0-FC80-4BA7-B37C371695BF}"/>
+                <a16:creationId xmlns:a16="http://schemas.microsoft.com/office/drawing/2014/main" id="{4983C3F0-B21F-430A-8602-F5B4E86B2A41}"/>
               </a:ext>
             </a:extLst>
           </p:cNvPr>
@@ -20252,198 +21345,59 @@
             <a:spLocks noGrp="1"/>
           </p:cNvSpPr>
           <p:nvPr>
-            <p:ph idx="1"/>
+            <p:ph type="sldNum" sz="quarter" idx="4"/>
           </p:nvPr>
         </p:nvSpPr>
+        <p:spPr/>
+        <p:txBody>
+          <a:bodyPr/>
+          <a:lstStyle/>
+          <a:p>
+            <a:fld id="{4D029D89-7B63-4C94-AD4D-2E4D6BB83637}" type="slidenum">
+              <a:rPr kumimoji="1" lang="ja-JP" altLang="en-US" smtClean="0"/>
+              <a:pPr/>
+              <a:t>8</a:t>
+            </a:fld>
+            <a:endParaRPr kumimoji="1" lang="ja-JP" altLang="en-US" dirty="0"/>
+          </a:p>
+        </p:txBody>
+      </p:sp>
+      <p:pic>
+        <p:nvPicPr>
+          <p:cNvPr id="4" name="図 3">
+            <a:extLst>
+              <a:ext uri="{FF2B5EF4-FFF2-40B4-BE49-F238E27FC236}">
+                <a16:creationId xmlns:a16="http://schemas.microsoft.com/office/drawing/2014/main" id="{5CE685E0-F66A-D746-5EE7-E6898A6B6113}"/>
+              </a:ext>
+            </a:extLst>
+          </p:cNvPr>
+          <p:cNvPicPr>
+            <a:picLocks noChangeAspect="1"/>
+          </p:cNvPicPr>
+          <p:nvPr/>
+        </p:nvPicPr>
+        <p:blipFill>
+          <a:blip r:embed="rId2"/>
+          <a:stretch>
+            <a:fillRect/>
+          </a:stretch>
+        </p:blipFill>
         <p:spPr>
           <a:xfrm>
-            <a:off x="230400" y="950400"/>
-            <a:ext cx="5406904" cy="3787200"/>
+            <a:off x="684401" y="825700"/>
+            <a:ext cx="2217730" cy="2534004"/>
           </a:xfrm>
+          <a:prstGeom prst="rect">
+            <a:avLst/>
+          </a:prstGeom>
         </p:spPr>
-        <p:txBody>
-          <a:bodyPr>
-            <a:normAutofit fontScale="92500" lnSpcReduction="20000"/>
-          </a:bodyPr>
-          <a:lstStyle/>
-          <a:p>
-            <a:r>
-              <a:rPr lang="ja-JP" altLang="en-US" dirty="0"/>
-              <a:t>システム管理者</a:t>
-            </a:r>
-            <a:endParaRPr lang="en-US" altLang="ja-JP" dirty="0"/>
-          </a:p>
-          <a:p>
-            <a:pPr lvl="1"/>
-            <a:r>
-              <a:rPr lang="ja-JP" altLang="en-US" dirty="0"/>
-              <a:t>組み込み</a:t>
-            </a:r>
-            <a:r>
-              <a:rPr lang="en-US" altLang="ja-JP" dirty="0"/>
-              <a:t>UNIX</a:t>
-            </a:r>
-            <a:r>
-              <a:rPr lang="ja-JP" altLang="en-US" dirty="0"/>
-              <a:t>マシンを設定</a:t>
-            </a:r>
-            <a:r>
-              <a:rPr lang="en-US" altLang="ja-JP" dirty="0"/>
-              <a:t>/</a:t>
-            </a:r>
-            <a:r>
-              <a:rPr lang="ja-JP" altLang="en-US" dirty="0"/>
-              <a:t>運用可能</a:t>
-            </a:r>
-            <a:endParaRPr lang="en-US" altLang="ja-JP" dirty="0"/>
-          </a:p>
-          <a:p>
-            <a:pPr lvl="2"/>
-            <a:r>
-              <a:rPr lang="en-US" altLang="ja-JP" dirty="0"/>
-              <a:t>Raspberry Pi, OpenBlocks</a:t>
-            </a:r>
-            <a:r>
-              <a:rPr lang="ja-JP" altLang="en-US" dirty="0"/>
-              <a:t>等</a:t>
-            </a:r>
-            <a:endParaRPr lang="en-US" altLang="ja-JP" dirty="0"/>
-          </a:p>
-          <a:p>
-            <a:pPr lvl="1"/>
-            <a:r>
-              <a:rPr lang="ja-JP" altLang="en-US" dirty="0"/>
-              <a:t>ネットワークを敷設可能</a:t>
-            </a:r>
-            <a:endParaRPr lang="en-US" altLang="ja-JP" dirty="0"/>
-          </a:p>
-          <a:p>
-            <a:pPr lvl="2"/>
-            <a:r>
-              <a:rPr lang="ja-JP" altLang="en-US" dirty="0"/>
-              <a:t>イーサネット</a:t>
-            </a:r>
-            <a:r>
-              <a:rPr lang="en-US" altLang="ja-JP" dirty="0"/>
-              <a:t>, </a:t>
-            </a:r>
-            <a:r>
-              <a:rPr lang="en-US" altLang="ja-JP" dirty="0" err="1"/>
-              <a:t>WiFi</a:t>
-            </a:r>
-            <a:endParaRPr lang="en-US" altLang="ja-JP" dirty="0"/>
-          </a:p>
-          <a:p>
-            <a:pPr lvl="2"/>
-            <a:endParaRPr lang="en-US" altLang="ja-JP" dirty="0"/>
-          </a:p>
-          <a:p>
-            <a:r>
-              <a:rPr lang="ja-JP" altLang="en-US" dirty="0"/>
-              <a:t>端末開発者</a:t>
-            </a:r>
-            <a:endParaRPr lang="en-US" altLang="ja-JP" dirty="0"/>
-          </a:p>
-          <a:p>
-            <a:pPr lvl="1"/>
-            <a:r>
-              <a:rPr lang="ja-JP" altLang="en-US" dirty="0"/>
-              <a:t>ハードウェア</a:t>
-            </a:r>
-            <a:endParaRPr lang="en-US" altLang="ja-JP" dirty="0"/>
-          </a:p>
-          <a:p>
-            <a:pPr lvl="2"/>
-            <a:r>
-              <a:rPr lang="ja-JP" altLang="en-US" dirty="0"/>
-              <a:t>専用ケーブルでセンサを</a:t>
-            </a:r>
-            <a:r>
-              <a:rPr lang="en-US" altLang="ja-JP" dirty="0"/>
-              <a:t>Arduino</a:t>
-            </a:r>
-            <a:r>
-              <a:rPr lang="ja-JP" altLang="en-US" dirty="0"/>
-              <a:t>に接続</a:t>
-            </a:r>
-            <a:endParaRPr lang="en-US" altLang="ja-JP" dirty="0"/>
-          </a:p>
-          <a:p>
-            <a:pPr lvl="2"/>
-            <a:endParaRPr lang="en-US" altLang="ja-JP" dirty="0"/>
-          </a:p>
-          <a:p>
-            <a:pPr lvl="1"/>
-            <a:r>
-              <a:rPr lang="ja-JP" altLang="en-US" dirty="0"/>
-              <a:t>ソフトウェア</a:t>
-            </a:r>
-            <a:endParaRPr lang="en-US" altLang="ja-JP" dirty="0"/>
-          </a:p>
-          <a:p>
-            <a:pPr lvl="2"/>
-            <a:r>
-              <a:rPr lang="ja-JP" altLang="en-US" dirty="0"/>
-              <a:t>専用アプリでセンサ端末の仕様定義ファイルを生成</a:t>
-            </a:r>
-            <a:endParaRPr lang="en-US" altLang="ja-JP" dirty="0"/>
-          </a:p>
-          <a:p>
-            <a:pPr lvl="2"/>
-            <a:r>
-              <a:rPr lang="ja-JP" altLang="en-US" dirty="0"/>
-              <a:t>仕様定義ファイル</a:t>
-            </a:r>
-            <a:r>
-              <a:rPr lang="en-US" altLang="ja-JP" dirty="0"/>
-              <a:t>(</a:t>
-            </a:r>
-            <a:r>
-              <a:rPr lang="en-US" altLang="ja-JP" dirty="0" err="1"/>
-              <a:t>yaml</a:t>
-            </a:r>
-            <a:r>
-              <a:rPr lang="ja-JP" altLang="en-US" dirty="0"/>
-              <a:t>形式</a:t>
-            </a:r>
-            <a:r>
-              <a:rPr lang="en-US" altLang="ja-JP" dirty="0"/>
-              <a:t>)</a:t>
-            </a:r>
-            <a:r>
-              <a:rPr lang="ja-JP" altLang="en-US" dirty="0"/>
-              <a:t>の編集</a:t>
-            </a:r>
-            <a:endParaRPr lang="en-US" altLang="ja-JP" dirty="0"/>
-          </a:p>
-          <a:p>
-            <a:pPr lvl="2"/>
-            <a:r>
-              <a:rPr lang="en-US" altLang="ja-JP" dirty="0"/>
-              <a:t>IDE</a:t>
-            </a:r>
-            <a:r>
-              <a:rPr lang="ja-JP" altLang="en-US" dirty="0"/>
-              <a:t>で</a:t>
-            </a:r>
-            <a:r>
-              <a:rPr lang="en-US" altLang="ja-JP" dirty="0"/>
-              <a:t>Arduino</a:t>
-            </a:r>
-            <a:r>
-              <a:rPr lang="ja-JP" altLang="en-US" dirty="0"/>
-              <a:t>にプログラムをインストール</a:t>
-            </a:r>
-            <a:endParaRPr lang="en-US" altLang="ja-JP" dirty="0"/>
-          </a:p>
-        </p:txBody>
-      </p:sp>
+      </p:pic>
       <p:sp>
         <p:nvSpPr>
-          <p:cNvPr id="5" name="正方形/長方形 4">
+          <p:cNvPr id="5" name="吹き出し: 四角形 4">
             <a:extLst>
               <a:ext uri="{FF2B5EF4-FFF2-40B4-BE49-F238E27FC236}">
-                <a16:creationId xmlns:a16="http://schemas.microsoft.com/office/drawing/2014/main" id="{01935340-89C5-1255-D9F1-B6240B606FB7}"/>
+                <a16:creationId xmlns:a16="http://schemas.microsoft.com/office/drawing/2014/main" id="{ACC4765C-E45E-2818-783F-B65D609DF6FD}"/>
               </a:ext>
             </a:extLst>
           </p:cNvPr>
@@ -20452,326 +21406,13 @@
         </p:nvSpPr>
         <p:spPr>
           <a:xfrm>
-            <a:off x="5778769" y="1365873"/>
-            <a:ext cx="1327573" cy="602826"/>
-          </a:xfrm>
-          <a:prstGeom prst="rect">
-            <a:avLst/>
-          </a:prstGeom>
-          <a:solidFill>
-            <a:schemeClr val="bg1"/>
-          </a:solidFill>
-          <a:ln>
-            <a:solidFill>
-              <a:schemeClr val="tx1">
-                <a:lumMod val="50000"/>
-                <a:lumOff val="50000"/>
-              </a:schemeClr>
-            </a:solidFill>
-          </a:ln>
-        </p:spPr>
-        <p:style>
-          <a:lnRef idx="2">
-            <a:schemeClr val="accent1">
-              <a:shade val="15000"/>
-            </a:schemeClr>
-          </a:lnRef>
-          <a:fillRef idx="1">
-            <a:schemeClr val="accent1"/>
-          </a:fillRef>
-          <a:effectRef idx="0">
-            <a:schemeClr val="accent1"/>
-          </a:effectRef>
-          <a:fontRef idx="minor">
-            <a:schemeClr val="lt1"/>
-          </a:fontRef>
-        </p:style>
-        <p:txBody>
-          <a:bodyPr rtlCol="0" anchor="ctr"/>
-          <a:lstStyle/>
-          <a:p>
-            <a:pPr algn="ctr"/>
-            <a:r>
-              <a:rPr kumimoji="1" lang="en-US" altLang="ja-JP" sz="1400" dirty="0">
-                <a:solidFill>
-                  <a:schemeClr val="tx1"/>
-                </a:solidFill>
-                <a:latin typeface="メイリオ" panose="020B0604030504040204" pitchFamily="50" charset="-128"/>
-                <a:ea typeface="メイリオ" panose="020B0604030504040204" pitchFamily="50" charset="-128"/>
-              </a:rPr>
-              <a:t>IoT GW</a:t>
-            </a:r>
-          </a:p>
-          <a:p>
-            <a:pPr algn="ctr"/>
-            <a:r>
-              <a:rPr lang="en-US" altLang="ja-JP" sz="1200" dirty="0">
-                <a:solidFill>
-                  <a:schemeClr val="tx1"/>
-                </a:solidFill>
-                <a:latin typeface="メイリオ" panose="020B0604030504040204" pitchFamily="50" charset="-128"/>
-                <a:ea typeface="メイリオ" panose="020B0604030504040204" pitchFamily="50" charset="-128"/>
-                <a:cs typeface="Arial" panose="020B0604020202020204" pitchFamily="34" charset="0"/>
-              </a:rPr>
-              <a:t>(</a:t>
-            </a:r>
-            <a:r>
-              <a:rPr lang="ja-JP" altLang="en-US" sz="1200" dirty="0">
-                <a:solidFill>
-                  <a:schemeClr val="tx1"/>
-                </a:solidFill>
-                <a:latin typeface="メイリオ" panose="020B0604030504040204" pitchFamily="50" charset="-128"/>
-                <a:ea typeface="メイリオ" panose="020B0604030504040204" pitchFamily="50" charset="-128"/>
-                <a:cs typeface="Arial" panose="020B0604020202020204" pitchFamily="34" charset="0"/>
-              </a:rPr>
-              <a:t>ゲートウェイ</a:t>
-            </a:r>
-            <a:r>
-              <a:rPr lang="en-US" altLang="ja-JP" sz="1200" dirty="0">
-                <a:solidFill>
-                  <a:schemeClr val="tx1"/>
-                </a:solidFill>
-                <a:latin typeface="メイリオ" panose="020B0604030504040204" pitchFamily="50" charset="-128"/>
-                <a:ea typeface="メイリオ" panose="020B0604030504040204" pitchFamily="50" charset="-128"/>
-                <a:cs typeface="Arial" panose="020B0604020202020204" pitchFamily="34" charset="0"/>
-              </a:rPr>
-              <a:t>)</a:t>
-            </a:r>
-            <a:endParaRPr kumimoji="1" lang="ja-JP" altLang="en-US" sz="1400" dirty="0">
-              <a:solidFill>
-                <a:schemeClr val="tx1"/>
-              </a:solidFill>
-              <a:latin typeface="Arial" panose="020B0604020202020204" pitchFamily="34" charset="0"/>
-              <a:cs typeface="Arial" panose="020B0604020202020204" pitchFamily="34" charset="0"/>
-            </a:endParaRPr>
-          </a:p>
-        </p:txBody>
-      </p:sp>
-      <p:sp>
-        <p:nvSpPr>
-          <p:cNvPr id="6" name="正方形/長方形 5">
-            <a:extLst>
-              <a:ext uri="{FF2B5EF4-FFF2-40B4-BE49-F238E27FC236}">
-                <a16:creationId xmlns:a16="http://schemas.microsoft.com/office/drawing/2014/main" id="{70905D45-4708-922C-1EF3-E31930D98050}"/>
-              </a:ext>
-            </a:extLst>
-          </p:cNvPr>
-          <p:cNvSpPr/>
-          <p:nvPr/>
-        </p:nvSpPr>
-        <p:spPr>
-          <a:xfrm>
-            <a:off x="5965502" y="2709690"/>
-            <a:ext cx="954107" cy="319195"/>
-          </a:xfrm>
-          <a:prstGeom prst="rect">
-            <a:avLst/>
-          </a:prstGeom>
-          <a:solidFill>
-            <a:srgbClr val="FFEFFF"/>
-          </a:solidFill>
-          <a:ln>
-            <a:solidFill>
-              <a:schemeClr val="tx1">
-                <a:lumMod val="50000"/>
-                <a:lumOff val="50000"/>
-              </a:schemeClr>
-            </a:solidFill>
-          </a:ln>
-        </p:spPr>
-        <p:style>
-          <a:lnRef idx="2">
-            <a:schemeClr val="accent1">
-              <a:shade val="15000"/>
-            </a:schemeClr>
-          </a:lnRef>
-          <a:fillRef idx="1">
-            <a:schemeClr val="accent1"/>
-          </a:fillRef>
-          <a:effectRef idx="0">
-            <a:schemeClr val="accent1"/>
-          </a:effectRef>
-          <a:fontRef idx="minor">
-            <a:schemeClr val="lt1"/>
-          </a:fontRef>
-        </p:style>
-        <p:txBody>
-          <a:bodyPr rtlCol="0" anchor="ctr"/>
-          <a:lstStyle/>
-          <a:p>
-            <a:pPr algn="ctr"/>
-            <a:r>
-              <a:rPr kumimoji="1" lang="ja-JP" altLang="en-US" sz="1200" dirty="0">
-                <a:solidFill>
-                  <a:schemeClr val="tx1"/>
-                </a:solidFill>
-                <a:latin typeface="メイリオ" panose="020B0604030504040204" pitchFamily="50" charset="-128"/>
-                <a:ea typeface="メイリオ" panose="020B0604030504040204" pitchFamily="50" charset="-128"/>
-                <a:cs typeface="Arial" panose="020B0604020202020204" pitchFamily="34" charset="0"/>
-              </a:rPr>
-              <a:t>センサ端末</a:t>
-            </a:r>
-            <a:endParaRPr kumimoji="1" lang="ja-JP" altLang="en-US" sz="1200" dirty="0">
-              <a:solidFill>
-                <a:schemeClr val="tx1"/>
-              </a:solidFill>
-              <a:latin typeface="Arial" panose="020B0604020202020204" pitchFamily="34" charset="0"/>
-              <a:ea typeface="メイリオ" panose="020B0604030504040204" pitchFamily="50" charset="-128"/>
-              <a:cs typeface="Arial" panose="020B0604020202020204" pitchFamily="34" charset="0"/>
-            </a:endParaRPr>
-          </a:p>
-        </p:txBody>
-      </p:sp>
-      <p:sp>
-        <p:nvSpPr>
-          <p:cNvPr id="12" name="右中かっこ 11">
-            <a:extLst>
-              <a:ext uri="{FF2B5EF4-FFF2-40B4-BE49-F238E27FC236}">
-                <a16:creationId xmlns:a16="http://schemas.microsoft.com/office/drawing/2014/main" id="{88A938A7-CEB5-7CA1-B4DF-384DBDDFE1C3}"/>
-              </a:ext>
-            </a:extLst>
-          </p:cNvPr>
-          <p:cNvSpPr/>
-          <p:nvPr/>
-        </p:nvSpPr>
-        <p:spPr>
-          <a:xfrm>
-            <a:off x="7157774" y="1499616"/>
-            <a:ext cx="135854" cy="1159982"/>
-          </a:xfrm>
-          <a:prstGeom prst="rightBrace">
-            <a:avLst/>
-          </a:prstGeom>
-          <a:ln w="9525">
-            <a:solidFill>
-              <a:schemeClr val="accent1"/>
-            </a:solidFill>
-          </a:ln>
-        </p:spPr>
-        <p:style>
-          <a:lnRef idx="1">
-            <a:schemeClr val="accent1"/>
-          </a:lnRef>
-          <a:fillRef idx="0">
-            <a:schemeClr val="accent1"/>
-          </a:fillRef>
-          <a:effectRef idx="0">
-            <a:schemeClr val="accent1"/>
-          </a:effectRef>
-          <a:fontRef idx="minor">
-            <a:schemeClr val="tx1"/>
-          </a:fontRef>
-        </p:style>
-        <p:txBody>
-          <a:bodyPr rtlCol="0" anchor="ctr"/>
-          <a:lstStyle/>
-          <a:p>
-            <a:pPr algn="ctr"/>
-            <a:endParaRPr kumimoji="1" lang="ja-JP" altLang="en-US"/>
-          </a:p>
-        </p:txBody>
-      </p:sp>
-      <p:sp>
-        <p:nvSpPr>
-          <p:cNvPr id="13" name="テキスト ボックス 12">
-            <a:extLst>
-              <a:ext uri="{FF2B5EF4-FFF2-40B4-BE49-F238E27FC236}">
-                <a16:creationId xmlns:a16="http://schemas.microsoft.com/office/drawing/2014/main" id="{62E7ABF4-19AD-4EA3-4751-5E47C35AE314}"/>
-              </a:ext>
-            </a:extLst>
-          </p:cNvPr>
-          <p:cNvSpPr txBox="1"/>
-          <p:nvPr/>
-        </p:nvSpPr>
-        <p:spPr>
-          <a:xfrm>
-            <a:off x="7345060" y="1941107"/>
-            <a:ext cx="1723549" cy="276999"/>
-          </a:xfrm>
-          <a:prstGeom prst="rect">
-            <a:avLst/>
-          </a:prstGeom>
-          <a:noFill/>
-        </p:spPr>
-        <p:txBody>
-          <a:bodyPr wrap="none" rtlCol="0">
-            <a:spAutoFit/>
-          </a:bodyPr>
-          <a:lstStyle/>
-          <a:p>
-            <a:pPr algn="l"/>
-            <a:r>
-              <a:rPr kumimoji="1" lang="ja-JP" altLang="en-US" sz="1200" dirty="0">
-                <a:solidFill>
-                  <a:srgbClr val="FF0000"/>
-                </a:solidFill>
-              </a:rPr>
-              <a:t>システム管理者が担当</a:t>
-            </a:r>
-          </a:p>
-        </p:txBody>
-      </p:sp>
-      <p:sp>
-        <p:nvSpPr>
-          <p:cNvPr id="14" name="テキスト ボックス 13">
-            <a:extLst>
-              <a:ext uri="{FF2B5EF4-FFF2-40B4-BE49-F238E27FC236}">
-                <a16:creationId xmlns:a16="http://schemas.microsoft.com/office/drawing/2014/main" id="{868506B1-5787-3624-177C-DB8B9DC40AF2}"/>
-              </a:ext>
-            </a:extLst>
-          </p:cNvPr>
-          <p:cNvSpPr txBox="1"/>
-          <p:nvPr/>
-        </p:nvSpPr>
-        <p:spPr>
-          <a:xfrm>
-            <a:off x="6901200" y="2730787"/>
-            <a:ext cx="1415772" cy="276999"/>
-          </a:xfrm>
-          <a:prstGeom prst="rect">
-            <a:avLst/>
-          </a:prstGeom>
-          <a:noFill/>
-        </p:spPr>
-        <p:txBody>
-          <a:bodyPr wrap="none" rtlCol="0">
-            <a:spAutoFit/>
-          </a:bodyPr>
-          <a:lstStyle/>
-          <a:p>
-            <a:pPr algn="l"/>
-            <a:r>
-              <a:rPr kumimoji="1" lang="ja-JP" altLang="en-US" sz="1200" dirty="0">
-                <a:solidFill>
-                  <a:srgbClr val="FF0000"/>
-                </a:solidFill>
-              </a:rPr>
-              <a:t>端末開発者が担当</a:t>
-            </a:r>
-          </a:p>
-        </p:txBody>
-      </p:sp>
-      <p:sp>
-        <p:nvSpPr>
-          <p:cNvPr id="15" name="吹き出し: 四角形 14">
-            <a:extLst>
-              <a:ext uri="{FF2B5EF4-FFF2-40B4-BE49-F238E27FC236}">
-                <a16:creationId xmlns:a16="http://schemas.microsoft.com/office/drawing/2014/main" id="{15C49E13-6532-C871-AC4F-84C1666ED3A5}"/>
-              </a:ext>
-            </a:extLst>
-          </p:cNvPr>
-          <p:cNvSpPr/>
-          <p:nvPr/>
-        </p:nvSpPr>
-        <p:spPr>
-          <a:xfrm>
-            <a:off x="6653852" y="3172279"/>
-            <a:ext cx="2280086" cy="546265"/>
+            <a:off x="1792144" y="629156"/>
+            <a:ext cx="1871941" cy="573664"/>
           </a:xfrm>
           <a:prstGeom prst="wedgeRectCallout">
             <a:avLst>
-              <a:gd name="adj1" fmla="val 4601"/>
-              <a:gd name="adj2" fmla="val -81636"/>
+              <a:gd name="adj1" fmla="val -57821"/>
+              <a:gd name="adj2" fmla="val 115401"/>
             </a:avLst>
           </a:prstGeom>
           <a:solidFill>
@@ -20816,7 +21457,121 @@
                 <a:ea typeface="メイリオ" panose="020B0604030504040204" pitchFamily="50" charset="-128"/>
                 <a:cs typeface="Arial" panose="020B0604020202020204" pitchFamily="34" charset="0"/>
               </a:rPr>
-              <a:t>「端末開発者」の負荷低減が</a:t>
+              <a:t>仕様定義</a:t>
+            </a:r>
+            <a:r>
+              <a:rPr lang="ja-JP" altLang="en-US" sz="1200" dirty="0">
+                <a:solidFill>
+                  <a:schemeClr val="tx1"/>
+                </a:solidFill>
+                <a:latin typeface="Arial" panose="020B0604020202020204" pitchFamily="34" charset="0"/>
+                <a:ea typeface="メイリオ" panose="020B0604030504040204" pitchFamily="50" charset="-128"/>
+                <a:cs typeface="Arial" panose="020B0604020202020204" pitchFamily="34" charset="0"/>
+              </a:rPr>
+              <a:t>テンプレート</a:t>
+            </a:r>
+            <a:endParaRPr lang="en-US" altLang="ja-JP" sz="1200" dirty="0">
+              <a:solidFill>
+                <a:schemeClr val="tx1"/>
+              </a:solidFill>
+              <a:latin typeface="Arial" panose="020B0604020202020204" pitchFamily="34" charset="0"/>
+              <a:ea typeface="メイリオ" panose="020B0604030504040204" pitchFamily="50" charset="-128"/>
+              <a:cs typeface="Arial" panose="020B0604020202020204" pitchFamily="34" charset="0"/>
+            </a:endParaRPr>
+          </a:p>
+          <a:p>
+            <a:pPr algn="ctr"/>
+            <a:r>
+              <a:rPr kumimoji="1" lang="ja-JP" altLang="en-US" sz="1200" dirty="0">
+                <a:solidFill>
+                  <a:schemeClr val="tx1"/>
+                </a:solidFill>
+                <a:latin typeface="Arial" panose="020B0604020202020204" pitchFamily="34" charset="0"/>
+                <a:ea typeface="メイリオ" panose="020B0604030504040204" pitchFamily="50" charset="-128"/>
+                <a:cs typeface="Arial" panose="020B0604020202020204" pitchFamily="34" charset="0"/>
+              </a:rPr>
+              <a:t>ファイルの選択</a:t>
+            </a:r>
+          </a:p>
+        </p:txBody>
+      </p:sp>
+      <p:sp>
+        <p:nvSpPr>
+          <p:cNvPr id="6" name="吹き出し: 四角形 5">
+            <a:extLst>
+              <a:ext uri="{FF2B5EF4-FFF2-40B4-BE49-F238E27FC236}">
+                <a16:creationId xmlns:a16="http://schemas.microsoft.com/office/drawing/2014/main" id="{98DA80BA-A836-9AE1-FB50-B8DBCDB119AD}"/>
+              </a:ext>
+            </a:extLst>
+          </p:cNvPr>
+          <p:cNvSpPr/>
+          <p:nvPr/>
+        </p:nvSpPr>
+        <p:spPr>
+          <a:xfrm>
+            <a:off x="1711035" y="2030930"/>
+            <a:ext cx="1291570" cy="573664"/>
+          </a:xfrm>
+          <a:prstGeom prst="wedgeRectCallout">
+            <a:avLst>
+              <a:gd name="adj1" fmla="val -70675"/>
+              <a:gd name="adj2" fmla="val 5745"/>
+            </a:avLst>
+          </a:prstGeom>
+          <a:solidFill>
+            <a:srgbClr val="FFFFE7"/>
+          </a:solidFill>
+          <a:ln>
+            <a:solidFill>
+              <a:schemeClr val="tx1">
+                <a:lumMod val="50000"/>
+                <a:lumOff val="50000"/>
+              </a:schemeClr>
+            </a:solidFill>
+          </a:ln>
+        </p:spPr>
+        <p:style>
+          <a:lnRef idx="2">
+            <a:schemeClr val="accent1">
+              <a:shade val="15000"/>
+            </a:schemeClr>
+          </a:lnRef>
+          <a:fillRef idx="1">
+            <a:schemeClr val="accent1"/>
+          </a:fillRef>
+          <a:effectRef idx="0">
+            <a:schemeClr val="accent1"/>
+          </a:effectRef>
+          <a:fontRef idx="minor">
+            <a:schemeClr val="lt1"/>
+          </a:fontRef>
+        </p:style>
+        <p:txBody>
+          <a:bodyPr rtlCol="0" anchor="ctr"/>
+          <a:lstStyle/>
+          <a:p>
+            <a:pPr algn="ctr"/>
+            <a:r>
+              <a:rPr lang="ja-JP" altLang="en-US" sz="1200" dirty="0">
+                <a:solidFill>
+                  <a:schemeClr val="tx1"/>
+                </a:solidFill>
+                <a:latin typeface="Arial" panose="020B0604020202020204" pitchFamily="34" charset="0"/>
+                <a:ea typeface="メイリオ" panose="020B0604030504040204" pitchFamily="50" charset="-128"/>
+                <a:cs typeface="Arial" panose="020B0604020202020204" pitchFamily="34" charset="0"/>
+              </a:rPr>
+              <a:t>テンプレート</a:t>
+            </a:r>
+            <a:r>
+              <a:rPr kumimoji="1" lang="ja-JP" altLang="en-US" sz="1200" dirty="0">
+                <a:solidFill>
+                  <a:schemeClr val="tx1"/>
+                </a:solidFill>
+                <a:latin typeface="Arial" panose="020B0604020202020204" pitchFamily="34" charset="0"/>
+                <a:ea typeface="メイリオ" panose="020B0604030504040204" pitchFamily="50" charset="-128"/>
+                <a:cs typeface="Arial" panose="020B0604020202020204" pitchFamily="34" charset="0"/>
+              </a:rPr>
+              <a:t>の</a:t>
             </a:r>
             <a:endParaRPr kumimoji="1" lang="en-US" altLang="ja-JP" sz="1200" dirty="0">
               <a:solidFill>
@@ -20830,7 +21585,7 @@
           <a:p>
             <a:pPr algn="ctr"/>
             <a:r>
-              <a:rPr kumimoji="1" lang="ja-JP" altLang="en-US" sz="1200" dirty="0">
+              <a:rPr lang="ja-JP" altLang="en-US" sz="1200" dirty="0">
                 <a:solidFill>
                   <a:schemeClr val="tx1"/>
                 </a:solidFill>
@@ -20838,148 +21593,55 @@
                 <a:ea typeface="メイリオ" panose="020B0604030504040204" pitchFamily="50" charset="-128"/>
                 <a:cs typeface="Arial" panose="020B0604020202020204" pitchFamily="34" charset="0"/>
               </a:rPr>
-              <a:t>本プロジェクトの主目的</a:t>
-            </a:r>
+              <a:t>ロード</a:t>
+            </a:r>
+            <a:endParaRPr kumimoji="1" lang="ja-JP" altLang="en-US" sz="1200" dirty="0">
+              <a:solidFill>
+                <a:schemeClr val="tx1"/>
+              </a:solidFill>
+              <a:latin typeface="Arial" panose="020B0604020202020204" pitchFamily="34" charset="0"/>
+              <a:ea typeface="メイリオ" panose="020B0604030504040204" pitchFamily="50" charset="-128"/>
+              <a:cs typeface="Arial" panose="020B0604020202020204" pitchFamily="34" charset="0"/>
+            </a:endParaRPr>
           </a:p>
         </p:txBody>
       </p:sp>
-    </p:spTree>
-    <p:extLst>
-      <p:ext uri="{BB962C8B-B14F-4D97-AF65-F5344CB8AC3E}">
-        <p14:creationId xmlns:p14="http://schemas.microsoft.com/office/powerpoint/2010/main" val="525914061"/>
-      </p:ext>
-    </p:extLst>
-  </p:cSld>
-  <p:clrMapOvr>
-    <a:masterClrMapping/>
-  </p:clrMapOvr>
-</p:sld>
-</file>
-
-<file path=ppt/slides/slide9.xml><?xml version="1.0" encoding="utf-8"?>
-<p:sld xmlns:a="http://schemas.openxmlformats.org/drawingml/2006/main" xmlns:r="http://schemas.openxmlformats.org/officeDocument/2006/relationships" xmlns:p="http://schemas.openxmlformats.org/presentationml/2006/main">
-  <p:cSld>
-    <p:spTree>
-      <p:nvGrpSpPr>
-        <p:cNvPr id="1" name=""/>
-        <p:cNvGrpSpPr/>
-        <p:nvPr/>
-      </p:nvGrpSpPr>
-      <p:grpSpPr>
-        <a:xfrm>
-          <a:off x="0" y="0"/>
-          <a:ext cx="0" cy="0"/>
-          <a:chOff x="0" y="0"/>
-          <a:chExt cx="0" cy="0"/>
-        </a:xfrm>
-      </p:grpSpPr>
-      <p:sp>
-        <p:nvSpPr>
-          <p:cNvPr id="2" name="タイトル 1">
+      <p:pic>
+        <p:nvPicPr>
+          <p:cNvPr id="7" name="図 6">
             <a:extLst>
               <a:ext uri="{FF2B5EF4-FFF2-40B4-BE49-F238E27FC236}">
-                <a16:creationId xmlns:a16="http://schemas.microsoft.com/office/drawing/2014/main" id="{C020C61F-79A6-B644-4C8A-3C6A5DAF7A7B}"/>
+                <a16:creationId xmlns:a16="http://schemas.microsoft.com/office/drawing/2014/main" id="{8979B0BD-FFCB-FFA8-C639-3744A646A8F7}"/>
               </a:ext>
             </a:extLst>
           </p:cNvPr>
-          <p:cNvSpPr>
-            <a:spLocks noGrp="1"/>
-          </p:cNvSpPr>
-          <p:nvPr>
-            <p:ph type="title"/>
-          </p:nvPr>
-        </p:nvSpPr>
-        <p:spPr/>
-        <p:txBody>
-          <a:bodyPr/>
-          <a:lstStyle/>
-          <a:p>
-            <a:r>
-              <a:rPr kumimoji="1" lang="ja-JP" altLang="en-US" dirty="0"/>
-              <a:t>用意したドキュメント</a:t>
-            </a:r>
-          </a:p>
-        </p:txBody>
-      </p:sp>
+          <p:cNvPicPr>
+            <a:picLocks noChangeAspect="1"/>
+          </p:cNvPicPr>
+          <p:nvPr/>
+        </p:nvPicPr>
+        <p:blipFill>
+          <a:blip r:embed="rId3"/>
+          <a:stretch>
+            <a:fillRect/>
+          </a:stretch>
+        </p:blipFill>
+        <p:spPr>
+          <a:xfrm>
+            <a:off x="3833767" y="479265"/>
+            <a:ext cx="1646150" cy="4534533"/>
+          </a:xfrm>
+          <a:prstGeom prst="rect">
+            <a:avLst/>
+          </a:prstGeom>
+        </p:spPr>
+      </p:pic>
       <p:sp>
         <p:nvSpPr>
-          <p:cNvPr id="3" name="コンテンツ プレースホルダー 2">
+          <p:cNvPr id="8" name="吹き出し: 四角形 7">
             <a:extLst>
               <a:ext uri="{FF2B5EF4-FFF2-40B4-BE49-F238E27FC236}">
-                <a16:creationId xmlns:a16="http://schemas.microsoft.com/office/drawing/2014/main" id="{7889F729-BAD1-7041-7D3E-C2EA82294FE3}"/>
-              </a:ext>
-            </a:extLst>
-          </p:cNvPr>
-          <p:cNvSpPr>
-            <a:spLocks noGrp="1"/>
-          </p:cNvSpPr>
-          <p:nvPr>
-            <p:ph idx="1"/>
-          </p:nvPr>
-        </p:nvSpPr>
-        <p:spPr/>
-        <p:txBody>
-          <a:bodyPr/>
-          <a:lstStyle/>
-          <a:p>
-            <a:r>
-              <a:rPr kumimoji="1" lang="en-US" altLang="ja-JP" dirty="0"/>
-              <a:t>Arduino</a:t>
-            </a:r>
-            <a:r>
-              <a:rPr kumimoji="1" lang="ja-JP" altLang="en-US" dirty="0"/>
-              <a:t>等の組み込みマイコンの基礎知識</a:t>
-            </a:r>
-            <a:endParaRPr kumimoji="1" lang="en-US" altLang="ja-JP" dirty="0"/>
-          </a:p>
-          <a:p>
-            <a:r>
-              <a:rPr kumimoji="1" lang="en-US" altLang="ja-JP" dirty="0"/>
-              <a:t>IoT</a:t>
-            </a:r>
-            <a:r>
-              <a:rPr kumimoji="1" lang="ja-JP" altLang="en-US" dirty="0"/>
-              <a:t>向けセンサネットワークの基礎</a:t>
-            </a:r>
-            <a:endParaRPr kumimoji="1" lang="en-US" altLang="ja-JP" dirty="0"/>
-          </a:p>
-          <a:p>
-            <a:r>
-              <a:rPr kumimoji="1" lang="ja-JP" altLang="en-US" dirty="0"/>
-              <a:t>仕様定義の方法</a:t>
-            </a:r>
-            <a:endParaRPr kumimoji="1" lang="en-US" altLang="ja-JP" dirty="0"/>
-          </a:p>
-          <a:p>
-            <a:r>
-              <a:rPr lang="en-US" altLang="ja-JP" dirty="0"/>
-              <a:t>Arduino</a:t>
-            </a:r>
-            <a:r>
-              <a:rPr lang="ja-JP" altLang="en-US" dirty="0"/>
-              <a:t>用スケッチ合成プログラムの使い方</a:t>
-            </a:r>
-            <a:endParaRPr lang="en-US" altLang="ja-JP" dirty="0"/>
-          </a:p>
-          <a:p>
-            <a:r>
-              <a:rPr lang="en-US" altLang="ja-JP" dirty="0"/>
-              <a:t>Arduino IDE</a:t>
-            </a:r>
-            <a:r>
-              <a:rPr lang="ja-JP" altLang="en-US" dirty="0"/>
-              <a:t>の使い方</a:t>
-            </a:r>
-            <a:endParaRPr lang="en-US" altLang="ja-JP" dirty="0"/>
-          </a:p>
-        </p:txBody>
-      </p:sp>
-      <p:sp>
-        <p:nvSpPr>
-          <p:cNvPr id="4" name="四角形: 角を丸くする 3">
-            <a:extLst>
-              <a:ext uri="{FF2B5EF4-FFF2-40B4-BE49-F238E27FC236}">
-                <a16:creationId xmlns:a16="http://schemas.microsoft.com/office/drawing/2014/main" id="{42534CB8-2FC5-A33B-B1D3-F8FB0C1943F2}"/>
+                <a16:creationId xmlns:a16="http://schemas.microsoft.com/office/drawing/2014/main" id="{699D65CA-4FE1-3AAC-083A-3CF1598B6255}"/>
               </a:ext>
             </a:extLst>
           </p:cNvPr>
@@ -20988,14 +21650,494 @@
         </p:nvSpPr>
         <p:spPr>
           <a:xfrm>
-            <a:off x="1196558" y="3592208"/>
-            <a:ext cx="5899186" cy="600892"/>
+            <a:off x="4742867" y="1744098"/>
+            <a:ext cx="1291570" cy="573664"/>
           </a:xfrm>
-          <a:prstGeom prst="roundRect">
+          <a:prstGeom prst="wedgeRectCallout">
+            <a:avLst>
+              <a:gd name="adj1" fmla="val -70675"/>
+              <a:gd name="adj2" fmla="val 5745"/>
+            </a:avLst>
+          </a:prstGeom>
+          <a:solidFill>
+            <a:srgbClr val="FFFFE7"/>
+          </a:solidFill>
+          <a:ln>
+            <a:solidFill>
+              <a:schemeClr val="tx1">
+                <a:lumMod val="50000"/>
+                <a:lumOff val="50000"/>
+              </a:schemeClr>
+            </a:solidFill>
+          </a:ln>
+        </p:spPr>
+        <p:style>
+          <a:lnRef idx="2">
+            <a:schemeClr val="accent1">
+              <a:shade val="15000"/>
+            </a:schemeClr>
+          </a:lnRef>
+          <a:fillRef idx="1">
+            <a:schemeClr val="accent1"/>
+          </a:fillRef>
+          <a:effectRef idx="0">
+            <a:schemeClr val="accent1"/>
+          </a:effectRef>
+          <a:fontRef idx="minor">
+            <a:schemeClr val="lt1"/>
+          </a:fontRef>
+        </p:style>
+        <p:txBody>
+          <a:bodyPr rtlCol="0" anchor="ctr"/>
+          <a:lstStyle/>
+          <a:p>
+            <a:pPr algn="ctr"/>
+            <a:r>
+              <a:rPr kumimoji="1" lang="ja-JP" altLang="en-US" sz="1200" dirty="0">
+                <a:solidFill>
+                  <a:schemeClr val="tx1"/>
+                </a:solidFill>
+                <a:latin typeface="Arial" panose="020B0604020202020204" pitchFamily="34" charset="0"/>
+                <a:ea typeface="メイリオ" panose="020B0604030504040204" pitchFamily="50" charset="-128"/>
+                <a:cs typeface="Arial" panose="020B0604020202020204" pitchFamily="34" charset="0"/>
+              </a:rPr>
+              <a:t>ネットワークや</a:t>
+            </a:r>
+            <a:endParaRPr kumimoji="1" lang="en-US" altLang="ja-JP" sz="1200" dirty="0">
+              <a:solidFill>
+                <a:schemeClr val="tx1"/>
+              </a:solidFill>
+              <a:latin typeface="Arial" panose="020B0604020202020204" pitchFamily="34" charset="0"/>
+              <a:ea typeface="メイリオ" panose="020B0604030504040204" pitchFamily="50" charset="-128"/>
+              <a:cs typeface="Arial" panose="020B0604020202020204" pitchFamily="34" charset="0"/>
+            </a:endParaRPr>
+          </a:p>
+          <a:p>
+            <a:pPr algn="ctr"/>
+            <a:r>
+              <a:rPr kumimoji="1" lang="ja-JP" altLang="en-US" sz="1200" dirty="0">
+                <a:solidFill>
+                  <a:schemeClr val="tx1"/>
+                </a:solidFill>
+                <a:latin typeface="Arial" panose="020B0604020202020204" pitchFamily="34" charset="0"/>
+                <a:ea typeface="メイリオ" panose="020B0604030504040204" pitchFamily="50" charset="-128"/>
+                <a:cs typeface="Arial" panose="020B0604020202020204" pitchFamily="34" charset="0"/>
+              </a:rPr>
+              <a:t>ログ関連設定</a:t>
+            </a:r>
+          </a:p>
+        </p:txBody>
+      </p:sp>
+      <p:sp>
+        <p:nvSpPr>
+          <p:cNvPr id="9" name="吹き出し: 四角形 8">
+            <a:extLst>
+              <a:ext uri="{FF2B5EF4-FFF2-40B4-BE49-F238E27FC236}">
+                <a16:creationId xmlns:a16="http://schemas.microsoft.com/office/drawing/2014/main" id="{96525DB7-B9D8-31FF-9946-6713DC208F6F}"/>
+              </a:ext>
+            </a:extLst>
+          </p:cNvPr>
+          <p:cNvSpPr/>
+          <p:nvPr/>
+        </p:nvSpPr>
+        <p:spPr>
+          <a:xfrm>
+            <a:off x="4771424" y="3608567"/>
+            <a:ext cx="735505" cy="573664"/>
+          </a:xfrm>
+          <a:prstGeom prst="wedgeRectCallout">
+            <a:avLst>
+              <a:gd name="adj1" fmla="val -70675"/>
+              <a:gd name="adj2" fmla="val 5745"/>
+            </a:avLst>
+          </a:prstGeom>
+          <a:solidFill>
+            <a:srgbClr val="FFFFE7"/>
+          </a:solidFill>
+          <a:ln>
+            <a:solidFill>
+              <a:schemeClr val="tx1">
+                <a:lumMod val="50000"/>
+                <a:lumOff val="50000"/>
+              </a:schemeClr>
+            </a:solidFill>
+          </a:ln>
+        </p:spPr>
+        <p:style>
+          <a:lnRef idx="2">
+            <a:schemeClr val="accent1">
+              <a:shade val="15000"/>
+            </a:schemeClr>
+          </a:lnRef>
+          <a:fillRef idx="1">
+            <a:schemeClr val="accent1"/>
+          </a:fillRef>
+          <a:effectRef idx="0">
+            <a:schemeClr val="accent1"/>
+          </a:effectRef>
+          <a:fontRef idx="minor">
+            <a:schemeClr val="lt1"/>
+          </a:fontRef>
+        </p:style>
+        <p:txBody>
+          <a:bodyPr rtlCol="0" anchor="ctr"/>
+          <a:lstStyle/>
+          <a:p>
+            <a:pPr algn="ctr"/>
+            <a:r>
+              <a:rPr kumimoji="1" lang="ja-JP" altLang="en-US" sz="1200" dirty="0">
+                <a:solidFill>
+                  <a:schemeClr val="tx1"/>
+                </a:solidFill>
+                <a:latin typeface="Arial" panose="020B0604020202020204" pitchFamily="34" charset="0"/>
+                <a:ea typeface="メイリオ" panose="020B0604030504040204" pitchFamily="50" charset="-128"/>
+                <a:cs typeface="Arial" panose="020B0604020202020204" pitchFamily="34" charset="0"/>
+              </a:rPr>
+              <a:t>センサ</a:t>
+            </a:r>
+            <a:endParaRPr kumimoji="1" lang="en-US" altLang="ja-JP" sz="1200" dirty="0">
+              <a:solidFill>
+                <a:schemeClr val="tx1"/>
+              </a:solidFill>
+              <a:latin typeface="Arial" panose="020B0604020202020204" pitchFamily="34" charset="0"/>
+              <a:ea typeface="メイリオ" panose="020B0604030504040204" pitchFamily="50" charset="-128"/>
+              <a:cs typeface="Arial" panose="020B0604020202020204" pitchFamily="34" charset="0"/>
+            </a:endParaRPr>
+          </a:p>
+          <a:p>
+            <a:pPr algn="ctr"/>
+            <a:r>
+              <a:rPr kumimoji="1" lang="ja-JP" altLang="en-US" sz="1200" dirty="0">
+                <a:solidFill>
+                  <a:schemeClr val="tx1"/>
+                </a:solidFill>
+                <a:latin typeface="Arial" panose="020B0604020202020204" pitchFamily="34" charset="0"/>
+                <a:ea typeface="メイリオ" panose="020B0604030504040204" pitchFamily="50" charset="-128"/>
+                <a:cs typeface="Arial" panose="020B0604020202020204" pitchFamily="34" charset="0"/>
+              </a:rPr>
+              <a:t>設定</a:t>
+            </a:r>
+          </a:p>
+        </p:txBody>
+      </p:sp>
+      <p:pic>
+        <p:nvPicPr>
+          <p:cNvPr id="10" name="図 9">
+            <a:extLst>
+              <a:ext uri="{FF2B5EF4-FFF2-40B4-BE49-F238E27FC236}">
+                <a16:creationId xmlns:a16="http://schemas.microsoft.com/office/drawing/2014/main" id="{28551226-33CE-9B5A-BAFD-9462CB0EA4D7}"/>
+              </a:ext>
+            </a:extLst>
+          </p:cNvPr>
+          <p:cNvPicPr>
+            <a:picLocks noChangeAspect="1"/>
+          </p:cNvPicPr>
+          <p:nvPr/>
+        </p:nvPicPr>
+        <p:blipFill>
+          <a:blip r:embed="rId4"/>
+          <a:stretch>
+            <a:fillRect/>
+          </a:stretch>
+        </p:blipFill>
+        <p:spPr>
+          <a:xfrm>
+            <a:off x="6919609" y="1155012"/>
+            <a:ext cx="1646150" cy="3391373"/>
+          </a:xfrm>
+          <a:prstGeom prst="rect">
+            <a:avLst/>
+          </a:prstGeom>
+        </p:spPr>
+      </p:pic>
+      <p:sp>
+        <p:nvSpPr>
+          <p:cNvPr id="12" name="テキスト ボックス 11">
+            <a:extLst>
+              <a:ext uri="{FF2B5EF4-FFF2-40B4-BE49-F238E27FC236}">
+                <a16:creationId xmlns:a16="http://schemas.microsoft.com/office/drawing/2014/main" id="{53AB5CDF-267E-D155-FE16-AFA6A073B729}"/>
+              </a:ext>
+            </a:extLst>
+          </p:cNvPr>
+          <p:cNvSpPr txBox="1"/>
+          <p:nvPr/>
+        </p:nvSpPr>
+        <p:spPr>
+          <a:xfrm>
+            <a:off x="6329476" y="847235"/>
+            <a:ext cx="2826415" cy="307777"/>
+          </a:xfrm>
+          <a:prstGeom prst="rect">
+            <a:avLst/>
+          </a:prstGeom>
+          <a:noFill/>
+        </p:spPr>
+        <p:txBody>
+          <a:bodyPr wrap="none" rtlCol="0">
+            <a:spAutoFit/>
+          </a:bodyPr>
+          <a:lstStyle/>
+          <a:p>
+            <a:r>
+              <a:rPr kumimoji="1" lang="ja-JP" altLang="en-US" sz="1400" dirty="0">
+                <a:solidFill>
+                  <a:schemeClr val="tx1"/>
+                </a:solidFill>
+                <a:latin typeface="Arial" panose="020B0604020202020204" pitchFamily="34" charset="0"/>
+                <a:ea typeface="メイリオ" panose="020B0604030504040204" pitchFamily="50" charset="-128"/>
+                <a:cs typeface="Arial" panose="020B0604020202020204" pitchFamily="34" charset="0"/>
+              </a:rPr>
+              <a:t>温湿度センサ</a:t>
+            </a:r>
+            <a:r>
+              <a:rPr kumimoji="1" lang="en-US" altLang="ja-JP" sz="1400" dirty="0">
+                <a:solidFill>
+                  <a:schemeClr val="tx1"/>
+                </a:solidFill>
+                <a:latin typeface="Arial" panose="020B0604020202020204" pitchFamily="34" charset="0"/>
+                <a:ea typeface="メイリオ" panose="020B0604030504040204" pitchFamily="50" charset="-128"/>
+                <a:cs typeface="Arial" panose="020B0604020202020204" pitchFamily="34" charset="0"/>
+              </a:rPr>
+              <a:t>(DHT</a:t>
+            </a:r>
+            <a:r>
+              <a:rPr kumimoji="1" lang="ja-JP" altLang="en-US" sz="1400" dirty="0">
+                <a:solidFill>
+                  <a:schemeClr val="tx1"/>
+                </a:solidFill>
+                <a:latin typeface="Arial" panose="020B0604020202020204" pitchFamily="34" charset="0"/>
+                <a:ea typeface="メイリオ" panose="020B0604030504040204" pitchFamily="50" charset="-128"/>
+                <a:cs typeface="Arial" panose="020B0604020202020204" pitchFamily="34" charset="0"/>
+              </a:rPr>
+              <a:t>シリーズ</a:t>
+            </a:r>
+            <a:r>
+              <a:rPr kumimoji="1" lang="en-US" altLang="ja-JP" sz="1400" dirty="0">
+                <a:solidFill>
+                  <a:schemeClr val="tx1"/>
+                </a:solidFill>
+                <a:latin typeface="Arial" panose="020B0604020202020204" pitchFamily="34" charset="0"/>
+                <a:ea typeface="メイリオ" panose="020B0604030504040204" pitchFamily="50" charset="-128"/>
+                <a:cs typeface="Arial" panose="020B0604020202020204" pitchFamily="34" charset="0"/>
+              </a:rPr>
+              <a:t>)</a:t>
+            </a:r>
+            <a:r>
+              <a:rPr kumimoji="1" lang="ja-JP" altLang="en-US" sz="1400" dirty="0">
+                <a:solidFill>
+                  <a:schemeClr val="tx1"/>
+                </a:solidFill>
+                <a:latin typeface="Arial" panose="020B0604020202020204" pitchFamily="34" charset="0"/>
+                <a:ea typeface="メイリオ" panose="020B0604030504040204" pitchFamily="50" charset="-128"/>
+                <a:cs typeface="Arial" panose="020B0604020202020204" pitchFamily="34" charset="0"/>
+              </a:rPr>
+              <a:t>の例</a:t>
+            </a:r>
+          </a:p>
+        </p:txBody>
+      </p:sp>
+      <p:sp>
+        <p:nvSpPr>
+          <p:cNvPr id="13" name="テキスト ボックス 12">
+            <a:extLst>
+              <a:ext uri="{FF2B5EF4-FFF2-40B4-BE49-F238E27FC236}">
+                <a16:creationId xmlns:a16="http://schemas.microsoft.com/office/drawing/2014/main" id="{D899223E-ECDC-0B11-9E46-E395A7963E8E}"/>
+              </a:ext>
+            </a:extLst>
+          </p:cNvPr>
+          <p:cNvSpPr txBox="1"/>
+          <p:nvPr/>
+        </p:nvSpPr>
+        <p:spPr>
+          <a:xfrm>
+            <a:off x="7296215" y="2469532"/>
+            <a:ext cx="1415772" cy="276999"/>
+          </a:xfrm>
+          <a:prstGeom prst="rect">
+            <a:avLst/>
+          </a:prstGeom>
+          <a:noFill/>
+        </p:spPr>
+        <p:txBody>
+          <a:bodyPr wrap="none" rtlCol="0">
+            <a:spAutoFit/>
+          </a:bodyPr>
+          <a:lstStyle/>
+          <a:p>
+            <a:r>
+              <a:rPr kumimoji="1" lang="ja-JP" altLang="en-US" sz="1200" dirty="0">
+                <a:solidFill>
+                  <a:srgbClr val="FF0000"/>
+                </a:solidFill>
+                <a:latin typeface="Arial" panose="020B0604020202020204" pitchFamily="34" charset="0"/>
+                <a:ea typeface="メイリオ" panose="020B0604030504040204" pitchFamily="50" charset="-128"/>
+                <a:cs typeface="Arial" panose="020B0604020202020204" pitchFamily="34" charset="0"/>
+              </a:rPr>
+              <a:t>接続するピン番号</a:t>
+            </a:r>
+          </a:p>
+        </p:txBody>
+      </p:sp>
+      <p:sp>
+        <p:nvSpPr>
+          <p:cNvPr id="14" name="テキスト ボックス 13">
+            <a:extLst>
+              <a:ext uri="{FF2B5EF4-FFF2-40B4-BE49-F238E27FC236}">
+                <a16:creationId xmlns:a16="http://schemas.microsoft.com/office/drawing/2014/main" id="{EB7504FF-5B09-B51F-B4CF-D5056FC41FFF}"/>
+              </a:ext>
+            </a:extLst>
+          </p:cNvPr>
+          <p:cNvSpPr txBox="1"/>
+          <p:nvPr/>
+        </p:nvSpPr>
+        <p:spPr>
+          <a:xfrm>
+            <a:off x="7742684" y="3153622"/>
+            <a:ext cx="1107996" cy="276999"/>
+          </a:xfrm>
+          <a:prstGeom prst="rect">
+            <a:avLst/>
+          </a:prstGeom>
+          <a:noFill/>
+        </p:spPr>
+        <p:txBody>
+          <a:bodyPr wrap="none" rtlCol="0">
+            <a:spAutoFit/>
+          </a:bodyPr>
+          <a:lstStyle/>
+          <a:p>
+            <a:r>
+              <a:rPr kumimoji="1" lang="ja-JP" altLang="en-US" sz="1200" dirty="0">
+                <a:solidFill>
+                  <a:srgbClr val="FF0000"/>
+                </a:solidFill>
+                <a:latin typeface="Arial" panose="020B0604020202020204" pitchFamily="34" charset="0"/>
+                <a:ea typeface="メイリオ" panose="020B0604030504040204" pitchFamily="50" charset="-128"/>
+                <a:cs typeface="Arial" panose="020B0604020202020204" pitchFamily="34" charset="0"/>
+              </a:rPr>
+              <a:t>センサ</a:t>
+            </a:r>
+            <a:r>
+              <a:rPr kumimoji="1" lang="en-US" altLang="ja-JP" sz="1200" dirty="0">
+                <a:solidFill>
+                  <a:srgbClr val="FF0000"/>
+                </a:solidFill>
+                <a:latin typeface="Arial" panose="020B0604020202020204" pitchFamily="34" charset="0"/>
+                <a:ea typeface="メイリオ" panose="020B0604030504040204" pitchFamily="50" charset="-128"/>
+                <a:cs typeface="Arial" panose="020B0604020202020204" pitchFamily="34" charset="0"/>
+              </a:rPr>
+              <a:t>IC</a:t>
+            </a:r>
+            <a:r>
+              <a:rPr kumimoji="1" lang="ja-JP" altLang="en-US" sz="1200" dirty="0">
+                <a:solidFill>
+                  <a:srgbClr val="FF0000"/>
+                </a:solidFill>
+                <a:latin typeface="Arial" panose="020B0604020202020204" pitchFamily="34" charset="0"/>
+                <a:ea typeface="メイリオ" panose="020B0604030504040204" pitchFamily="50" charset="-128"/>
+                <a:cs typeface="Arial" panose="020B0604020202020204" pitchFamily="34" charset="0"/>
+              </a:rPr>
+              <a:t>型番</a:t>
+            </a:r>
+          </a:p>
+        </p:txBody>
+      </p:sp>
+      <p:sp>
+        <p:nvSpPr>
+          <p:cNvPr id="15" name="テキスト ボックス 14">
+            <a:extLst>
+              <a:ext uri="{FF2B5EF4-FFF2-40B4-BE49-F238E27FC236}">
+                <a16:creationId xmlns:a16="http://schemas.microsoft.com/office/drawing/2014/main" id="{B9E16A78-2815-145C-939F-05940F9B9F27}"/>
+              </a:ext>
+            </a:extLst>
+          </p:cNvPr>
+          <p:cNvSpPr txBox="1"/>
+          <p:nvPr/>
+        </p:nvSpPr>
+        <p:spPr>
+          <a:xfrm>
+            <a:off x="7281020" y="1831608"/>
+            <a:ext cx="1569660" cy="461665"/>
+          </a:xfrm>
+          <a:prstGeom prst="rect">
+            <a:avLst/>
+          </a:prstGeom>
+          <a:noFill/>
+        </p:spPr>
+        <p:txBody>
+          <a:bodyPr wrap="none" rtlCol="0">
+            <a:spAutoFit/>
+          </a:bodyPr>
+          <a:lstStyle/>
+          <a:p>
+            <a:r>
+              <a:rPr kumimoji="1" lang="ja-JP" altLang="en-US" sz="1200" dirty="0">
+                <a:solidFill>
+                  <a:srgbClr val="FF0000"/>
+                </a:solidFill>
+                <a:latin typeface="Arial" panose="020B0604020202020204" pitchFamily="34" charset="0"/>
+                <a:ea typeface="メイリオ" panose="020B0604030504040204" pitchFamily="50" charset="-128"/>
+                <a:cs typeface="Arial" panose="020B0604020202020204" pitchFamily="34" charset="0"/>
+              </a:rPr>
+              <a:t>センサに割り当てる</a:t>
+            </a:r>
+            <a:endParaRPr kumimoji="1" lang="en-US" altLang="ja-JP" sz="1200" dirty="0">
+              <a:solidFill>
+                <a:srgbClr val="FF0000"/>
+              </a:solidFill>
+              <a:latin typeface="Arial" panose="020B0604020202020204" pitchFamily="34" charset="0"/>
+              <a:ea typeface="メイリオ" panose="020B0604030504040204" pitchFamily="50" charset="-128"/>
+              <a:cs typeface="Arial" panose="020B0604020202020204" pitchFamily="34" charset="0"/>
+            </a:endParaRPr>
+          </a:p>
+          <a:p>
+            <a:r>
+              <a:rPr kumimoji="1" lang="en-US" altLang="ja-JP" sz="1200" dirty="0">
+                <a:solidFill>
+                  <a:srgbClr val="FF0000"/>
+                </a:solidFill>
+                <a:latin typeface="Arial" panose="020B0604020202020204" pitchFamily="34" charset="0"/>
+                <a:ea typeface="メイリオ" panose="020B0604030504040204" pitchFamily="50" charset="-128"/>
+                <a:cs typeface="Arial" panose="020B0604020202020204" pitchFamily="34" charset="0"/>
+              </a:rPr>
+              <a:t>ID</a:t>
+            </a:r>
+            <a:r>
+              <a:rPr kumimoji="1" lang="ja-JP" altLang="en-US" sz="1200" dirty="0">
+                <a:solidFill>
+                  <a:srgbClr val="FF0000"/>
+                </a:solidFill>
+                <a:latin typeface="Arial" panose="020B0604020202020204" pitchFamily="34" charset="0"/>
+                <a:ea typeface="メイリオ" panose="020B0604030504040204" pitchFamily="50" charset="-128"/>
+                <a:cs typeface="Arial" panose="020B0604020202020204" pitchFamily="34" charset="0"/>
+              </a:rPr>
+              <a:t>番号</a:t>
+            </a:r>
+          </a:p>
+        </p:txBody>
+      </p:sp>
+      <p:sp>
+        <p:nvSpPr>
+          <p:cNvPr id="17" name="矢印: 右 16">
+            <a:extLst>
+              <a:ext uri="{FF2B5EF4-FFF2-40B4-BE49-F238E27FC236}">
+                <a16:creationId xmlns:a16="http://schemas.microsoft.com/office/drawing/2014/main" id="{B2400C20-3324-2230-02D1-20BDADAE0BE0}"/>
+              </a:ext>
+            </a:extLst>
+          </p:cNvPr>
+          <p:cNvSpPr/>
+          <p:nvPr/>
+        </p:nvSpPr>
+        <p:spPr>
+          <a:xfrm>
+            <a:off x="3274979" y="2030930"/>
+            <a:ext cx="412560" cy="375044"/>
+          </a:xfrm>
+          <a:prstGeom prst="rightArrow">
             <a:avLst/>
           </a:prstGeom>
           <a:solidFill>
-            <a:srgbClr val="FFFFE5"/>
+            <a:srgbClr val="FFFF00"/>
           </a:solidFill>
           <a:ln>
             <a:solidFill>
@@ -21026,39 +22168,337 @@
           <a:lstStyle/>
           <a:p>
             <a:pPr algn="ctr"/>
-            <a:r>
-              <a:rPr kumimoji="1" lang="ja-JP" altLang="en-US" dirty="0">
-                <a:solidFill>
-                  <a:schemeClr val="tx1"/>
-                </a:solidFill>
-              </a:rPr>
-              <a:t>電子回路・</a:t>
-            </a:r>
-            <a:r>
-              <a:rPr kumimoji="1" lang="en-US" altLang="ja-JP" dirty="0">
-                <a:solidFill>
-                  <a:schemeClr val="tx1"/>
-                </a:solidFill>
-              </a:rPr>
-              <a:t>C++</a:t>
-            </a:r>
-            <a:r>
-              <a:rPr kumimoji="1" lang="ja-JP" altLang="en-US" dirty="0">
-                <a:solidFill>
-                  <a:schemeClr val="tx1"/>
-                </a:solidFill>
-              </a:rPr>
-              <a:t>の知識がなくても理解できる</a:t>
-            </a:r>
+            <a:endParaRPr kumimoji="1" lang="ja-JP" altLang="en-US" dirty="0" err="1">
+              <a:solidFill>
+                <a:schemeClr val="tx1"/>
+              </a:solidFill>
+            </a:endParaRPr>
           </a:p>
         </p:txBody>
       </p:sp>
       <p:sp>
         <p:nvSpPr>
-          <p:cNvPr id="5" name="テキスト ボックス 4">
+          <p:cNvPr id="18" name="矢印: 右 17">
             <a:extLst>
               <a:ext uri="{FF2B5EF4-FFF2-40B4-BE49-F238E27FC236}">
-                <a16:creationId xmlns:a16="http://schemas.microsoft.com/office/drawing/2014/main" id="{07DDBCBE-8112-048E-9063-109CB104BEE8}"/>
+                <a16:creationId xmlns:a16="http://schemas.microsoft.com/office/drawing/2014/main" id="{AB586327-AE76-3ECD-6A6C-6BB22AC76AB4}"/>
+              </a:ext>
+            </a:extLst>
+          </p:cNvPr>
+          <p:cNvSpPr/>
+          <p:nvPr/>
+        </p:nvSpPr>
+        <p:spPr>
+          <a:xfrm>
+            <a:off x="6306087" y="2062440"/>
+            <a:ext cx="412560" cy="375044"/>
+          </a:xfrm>
+          <a:prstGeom prst="rightArrow">
+            <a:avLst/>
+          </a:prstGeom>
+          <a:solidFill>
+            <a:srgbClr val="FFFF00"/>
+          </a:solidFill>
+          <a:ln>
+            <a:solidFill>
+              <a:schemeClr val="bg1">
+                <a:lumMod val="75000"/>
+              </a:schemeClr>
+            </a:solidFill>
+          </a:ln>
+        </p:spPr>
+        <p:style>
+          <a:lnRef idx="2">
+            <a:schemeClr val="accent1">
+              <a:shade val="50000"/>
+            </a:schemeClr>
+          </a:lnRef>
+          <a:fillRef idx="1">
+            <a:schemeClr val="accent1"/>
+          </a:fillRef>
+          <a:effectRef idx="0">
+            <a:schemeClr val="accent1"/>
+          </a:effectRef>
+          <a:fontRef idx="minor">
+            <a:schemeClr val="lt1"/>
+          </a:fontRef>
+        </p:style>
+        <p:txBody>
+          <a:bodyPr rtlCol="0" anchor="ctr"/>
+          <a:lstStyle/>
+          <a:p>
+            <a:pPr algn="ctr"/>
+            <a:endParaRPr kumimoji="1" lang="ja-JP" altLang="en-US" dirty="0" err="1">
+              <a:solidFill>
+                <a:schemeClr val="tx1"/>
+              </a:solidFill>
+            </a:endParaRPr>
+          </a:p>
+        </p:txBody>
+      </p:sp>
+    </p:spTree>
+    <p:extLst>
+      <p:ext uri="{BB962C8B-B14F-4D97-AF65-F5344CB8AC3E}">
+        <p14:creationId xmlns:p14="http://schemas.microsoft.com/office/powerpoint/2010/main" val="2947577912"/>
+      </p:ext>
+    </p:extLst>
+  </p:cSld>
+  <p:clrMapOvr>
+    <a:masterClrMapping/>
+  </p:clrMapOvr>
+</p:sld>
+</file>
+
+<file path=ppt/slides/slide9.xml><?xml version="1.0" encoding="utf-8"?>
+<p:sld xmlns:a="http://schemas.openxmlformats.org/drawingml/2006/main" xmlns:r="http://schemas.openxmlformats.org/officeDocument/2006/relationships" xmlns:p="http://schemas.openxmlformats.org/presentationml/2006/main">
+  <p:cSld>
+    <p:spTree>
+      <p:nvGrpSpPr>
+        <p:cNvPr id="1" name="">
+          <a:extLst>
+            <a:ext uri="{FF2B5EF4-FFF2-40B4-BE49-F238E27FC236}">
+              <a16:creationId xmlns:a16="http://schemas.microsoft.com/office/drawing/2014/main" id="{A602D047-CD6D-403F-F4DA-CC591A6019DD}"/>
+            </a:ext>
+          </a:extLst>
+        </p:cNvPr>
+        <p:cNvGrpSpPr/>
+        <p:nvPr/>
+      </p:nvGrpSpPr>
+      <p:grpSpPr>
+        <a:xfrm>
+          <a:off x="0" y="0"/>
+          <a:ext cx="0" cy="0"/>
+          <a:chOff x="0" y="0"/>
+          <a:chExt cx="0" cy="0"/>
+        </a:xfrm>
+      </p:grpSpPr>
+      <p:sp>
+        <p:nvSpPr>
+          <p:cNvPr id="2" name="タイトル 1">
+            <a:extLst>
+              <a:ext uri="{FF2B5EF4-FFF2-40B4-BE49-F238E27FC236}">
+                <a16:creationId xmlns:a16="http://schemas.microsoft.com/office/drawing/2014/main" id="{E89B3CA7-8149-00BF-EDE1-AE22DF466DC5}"/>
+              </a:ext>
+            </a:extLst>
+          </p:cNvPr>
+          <p:cNvSpPr>
+            <a:spLocks noGrp="1"/>
+          </p:cNvSpPr>
+          <p:nvPr>
+            <p:ph type="title"/>
+          </p:nvPr>
+        </p:nvSpPr>
+        <p:spPr/>
+        <p:txBody>
+          <a:bodyPr/>
+          <a:lstStyle/>
+          <a:p>
+            <a:r>
+              <a:rPr kumimoji="1" lang="ja-JP" altLang="en-US" dirty="0"/>
+              <a:t>仕様チェックアプリ</a:t>
+            </a:r>
+          </a:p>
+        </p:txBody>
+      </p:sp>
+      <p:sp>
+        <p:nvSpPr>
+          <p:cNvPr id="13" name="コンテンツ プレースホルダー 12">
+            <a:extLst>
+              <a:ext uri="{FF2B5EF4-FFF2-40B4-BE49-F238E27FC236}">
+                <a16:creationId xmlns:a16="http://schemas.microsoft.com/office/drawing/2014/main" id="{99BAC884-1483-0B87-65E8-22C3FB9C8A43}"/>
+              </a:ext>
+            </a:extLst>
+          </p:cNvPr>
+          <p:cNvSpPr>
+            <a:spLocks noGrp="1"/>
+          </p:cNvSpPr>
+          <p:nvPr>
+            <p:ph idx="1"/>
+          </p:nvPr>
+        </p:nvSpPr>
+        <p:spPr>
+          <a:xfrm>
+            <a:off x="4234774" y="950400"/>
+            <a:ext cx="4675226" cy="3787200"/>
+          </a:xfrm>
+        </p:spPr>
+        <p:txBody>
+          <a:bodyPr/>
+          <a:lstStyle/>
+          <a:p>
+            <a:pPr marL="0" indent="0">
+              <a:buNone/>
+            </a:pPr>
+            <a:r>
+              <a:rPr lang="ja-JP" altLang="en-US" dirty="0"/>
+              <a:t>チェック内容</a:t>
+            </a:r>
+            <a:endParaRPr lang="en-US" altLang="ja-JP" dirty="0"/>
+          </a:p>
+          <a:p>
+            <a:pPr marL="457200" indent="-457200">
+              <a:buFont typeface="+mj-ea"/>
+              <a:buAutoNum type="circleNumDbPlain"/>
+            </a:pPr>
+            <a:r>
+              <a:rPr lang="ja-JP" altLang="en-US" dirty="0"/>
+              <a:t>使う機能と</a:t>
+            </a:r>
+            <a:r>
+              <a:rPr lang="en-US" altLang="ja-JP" dirty="0"/>
+              <a:t>MCU</a:t>
+            </a:r>
+            <a:r>
+              <a:rPr lang="ja-JP" altLang="en-US" dirty="0"/>
+              <a:t>がマッチするか</a:t>
+            </a:r>
+            <a:endParaRPr lang="en-US" altLang="ja-JP" dirty="0"/>
+          </a:p>
+          <a:p>
+            <a:pPr marL="457200" indent="-457200">
+              <a:buFont typeface="+mj-ea"/>
+              <a:buAutoNum type="circleNumDbPlain"/>
+            </a:pPr>
+            <a:r>
+              <a:rPr lang="ja-JP" altLang="en-US" dirty="0"/>
+              <a:t>選択したセンサ</a:t>
+            </a:r>
+            <a:r>
+              <a:rPr lang="en-US" altLang="ja-JP" dirty="0"/>
+              <a:t>IC</a:t>
+            </a:r>
+            <a:r>
+              <a:rPr lang="ja-JP" altLang="en-US" dirty="0"/>
+              <a:t>の動作電圧と</a:t>
+            </a:r>
+            <a:r>
+              <a:rPr lang="en-US" altLang="ja-JP" dirty="0"/>
+              <a:t>Arduino</a:t>
+            </a:r>
+            <a:r>
+              <a:rPr lang="ja-JP" altLang="en-US" dirty="0"/>
+              <a:t>の動作電圧の一致</a:t>
+            </a:r>
+            <a:endParaRPr lang="en-US" altLang="ja-JP" dirty="0"/>
+          </a:p>
+          <a:p>
+            <a:pPr marL="457200" indent="-457200">
+              <a:buFont typeface="+mj-ea"/>
+              <a:buAutoNum type="circleNumDbPlain"/>
+            </a:pPr>
+            <a:r>
+              <a:rPr lang="en-US" altLang="ja-JP" dirty="0"/>
+              <a:t>I/O</a:t>
+            </a:r>
+            <a:r>
+              <a:rPr lang="ja-JP" altLang="en-US" dirty="0"/>
+              <a:t>端子の重複利用の有無</a:t>
+            </a:r>
+            <a:endParaRPr lang="en-US" altLang="ja-JP" dirty="0"/>
+          </a:p>
+          <a:p>
+            <a:pPr marL="755550" lvl="1" indent="-457200">
+              <a:buFont typeface="Wingdings" panose="05000000000000000000" pitchFamily="2" charset="2"/>
+              <a:buChar char="l"/>
+            </a:pPr>
+            <a:r>
+              <a:rPr lang="ja-JP" altLang="en-US" dirty="0"/>
+              <a:t>バス型</a:t>
+            </a:r>
+            <a:r>
+              <a:rPr lang="en-US" altLang="ja-JP" dirty="0"/>
+              <a:t>I/F(I2C, SPI)</a:t>
+            </a:r>
+            <a:r>
+              <a:rPr lang="ja-JP" altLang="en-US" dirty="0"/>
+              <a:t>の端子は除く</a:t>
+            </a:r>
+          </a:p>
+        </p:txBody>
+      </p:sp>
+      <p:sp>
+        <p:nvSpPr>
+          <p:cNvPr id="3" name="スライド番号プレースホルダー 2">
+            <a:extLst>
+              <a:ext uri="{FF2B5EF4-FFF2-40B4-BE49-F238E27FC236}">
+                <a16:creationId xmlns:a16="http://schemas.microsoft.com/office/drawing/2014/main" id="{57FF897B-E114-2FE5-C3DD-15B34B550800}"/>
+              </a:ext>
+            </a:extLst>
+          </p:cNvPr>
+          <p:cNvSpPr>
+            <a:spLocks noGrp="1"/>
+          </p:cNvSpPr>
+          <p:nvPr>
+            <p:ph type="sldNum" sz="quarter" idx="4"/>
+          </p:nvPr>
+        </p:nvSpPr>
+        <p:spPr/>
+        <p:txBody>
+          <a:bodyPr/>
+          <a:lstStyle/>
+          <a:p>
+            <a:fld id="{4D029D89-7B63-4C94-AD4D-2E4D6BB83637}" type="slidenum">
+              <a:rPr kumimoji="1" lang="ja-JP" altLang="en-US" smtClean="0"/>
+              <a:pPr/>
+              <a:t>9</a:t>
+            </a:fld>
+            <a:endParaRPr kumimoji="1" lang="ja-JP" altLang="en-US" dirty="0"/>
+          </a:p>
+        </p:txBody>
+      </p:sp>
+      <p:pic>
+        <p:nvPicPr>
+          <p:cNvPr id="5" name="Picture 6">
+            <a:extLst>
+              <a:ext uri="{FF2B5EF4-FFF2-40B4-BE49-F238E27FC236}">
+                <a16:creationId xmlns:a16="http://schemas.microsoft.com/office/drawing/2014/main" id="{5F3307E1-3A42-C8AB-4891-B1624F39B2CC}"/>
+              </a:ext>
+            </a:extLst>
+          </p:cNvPr>
+          <p:cNvPicPr>
+            <a:picLocks noChangeAspect="1" noChangeArrowheads="1"/>
+          </p:cNvPicPr>
+          <p:nvPr/>
+        </p:nvPicPr>
+        <p:blipFill>
+          <a:blip r:embed="rId2">
+            <a:extLst>
+              <a:ext uri="{28A0092B-C50C-407E-A947-70E740481C1C}">
+                <a14:useLocalDpi xmlns:a14="http://schemas.microsoft.com/office/drawing/2010/main" val="0"/>
+              </a:ext>
+            </a:extLst>
+          </a:blip>
+          <a:srcRect/>
+          <a:stretch>
+            <a:fillRect/>
+          </a:stretch>
+        </p:blipFill>
+        <p:spPr bwMode="auto">
+          <a:xfrm>
+            <a:off x="823644" y="1282412"/>
+            <a:ext cx="380524" cy="318611"/>
+          </a:xfrm>
+          <a:prstGeom prst="rect">
+            <a:avLst/>
+          </a:prstGeom>
+          <a:noFill/>
+          <a:extLst>
+            <a:ext uri="{909E8E84-426E-40DD-AFC4-6F175D3DCCD1}">
+              <a14:hiddenFill xmlns:a14="http://schemas.microsoft.com/office/drawing/2010/main">
+                <a:solidFill>
+                  <a:srgbClr val="FFFFFF"/>
+                </a:solidFill>
+              </a14:hiddenFill>
+            </a:ext>
+          </a:extLst>
+        </p:spPr>
+      </p:pic>
+      <p:sp>
+        <p:nvSpPr>
+          <p:cNvPr id="6" name="テキスト ボックス 5">
+            <a:extLst>
+              <a:ext uri="{FF2B5EF4-FFF2-40B4-BE49-F238E27FC236}">
+                <a16:creationId xmlns:a16="http://schemas.microsoft.com/office/drawing/2014/main" id="{6A3D7D32-3A88-F2A0-B212-018C3852917E}"/>
               </a:ext>
             </a:extLst>
           </p:cNvPr>
@@ -21067,8 +22507,8 @@
         </p:nvSpPr>
         <p:spPr>
           <a:xfrm>
-            <a:off x="344013" y="4346045"/>
-            <a:ext cx="7943200" cy="369332"/>
+            <a:off x="502856" y="1647925"/>
+            <a:ext cx="923651" cy="600164"/>
           </a:xfrm>
           <a:prstGeom prst="rect">
             <a:avLst/>
@@ -21081,38 +22521,351 @@
           </a:bodyPr>
           <a:lstStyle/>
           <a:p>
+            <a:pPr algn="ctr"/>
+            <a:r>
+              <a:rPr kumimoji="1" lang="ja-JP" altLang="en-US" sz="1100" dirty="0"/>
+              <a:t>仕様定義</a:t>
+            </a:r>
+            <a:endParaRPr kumimoji="1" lang="en-US" altLang="ja-JP" sz="1100" dirty="0"/>
+          </a:p>
+          <a:p>
+            <a:pPr algn="ctr"/>
+            <a:r>
+              <a:rPr kumimoji="1" lang="ja-JP" altLang="en-US" sz="1100" dirty="0"/>
+              <a:t>ファイル</a:t>
+            </a:r>
+            <a:endParaRPr kumimoji="1" lang="en-US" altLang="ja-JP" sz="1100" dirty="0"/>
+          </a:p>
+          <a:p>
+            <a:pPr algn="ctr"/>
+            <a:r>
+              <a:rPr kumimoji="1" lang="en-US" altLang="ja-JP" sz="1100" dirty="0"/>
+              <a:t>(</a:t>
+            </a:r>
+            <a:r>
+              <a:rPr kumimoji="1" lang="en-US" altLang="ja-JP" sz="1100" dirty="0" err="1"/>
+              <a:t>yaml</a:t>
+            </a:r>
+            <a:r>
+              <a:rPr kumimoji="1" lang="ja-JP" altLang="en-US" sz="1100" dirty="0"/>
+              <a:t>形式</a:t>
+            </a:r>
+            <a:r>
+              <a:rPr kumimoji="1" lang="en-US" altLang="ja-JP" sz="1100" dirty="0"/>
+              <a:t>)</a:t>
+            </a:r>
+          </a:p>
+        </p:txBody>
+      </p:sp>
+      <p:sp>
+        <p:nvSpPr>
+          <p:cNvPr id="7" name="十字形 6">
+            <a:extLst>
+              <a:ext uri="{FF2B5EF4-FFF2-40B4-BE49-F238E27FC236}">
+                <a16:creationId xmlns:a16="http://schemas.microsoft.com/office/drawing/2014/main" id="{52DCC95E-F8F9-8D32-144C-286F4E717472}"/>
+              </a:ext>
+            </a:extLst>
+          </p:cNvPr>
+          <p:cNvSpPr/>
+          <p:nvPr/>
+        </p:nvSpPr>
+        <p:spPr>
+          <a:xfrm>
+            <a:off x="1426507" y="1416951"/>
+            <a:ext cx="389106" cy="415046"/>
+          </a:xfrm>
+          <a:prstGeom prst="plus">
+            <a:avLst>
+              <a:gd name="adj" fmla="val 37500"/>
+            </a:avLst>
+          </a:prstGeom>
+          <a:solidFill>
+            <a:srgbClr val="FFFF00"/>
+          </a:solidFill>
+          <a:ln>
+            <a:solidFill>
+              <a:schemeClr val="bg1">
+                <a:lumMod val="75000"/>
+              </a:schemeClr>
+            </a:solidFill>
+          </a:ln>
+        </p:spPr>
+        <p:style>
+          <a:lnRef idx="2">
+            <a:schemeClr val="accent1">
+              <a:shade val="50000"/>
+            </a:schemeClr>
+          </a:lnRef>
+          <a:fillRef idx="1">
+            <a:schemeClr val="accent1"/>
+          </a:fillRef>
+          <a:effectRef idx="0">
+            <a:schemeClr val="accent1"/>
+          </a:effectRef>
+          <a:fontRef idx="minor">
+            <a:schemeClr val="lt1"/>
+          </a:fontRef>
+        </p:style>
+        <p:txBody>
+          <a:bodyPr rtlCol="0" anchor="ctr"/>
+          <a:lstStyle/>
+          <a:p>
+            <a:pPr algn="ctr"/>
+            <a:endParaRPr kumimoji="1" lang="ja-JP" altLang="en-US" dirty="0" err="1">
+              <a:solidFill>
+                <a:schemeClr val="tx1"/>
+              </a:solidFill>
+            </a:endParaRPr>
+          </a:p>
+        </p:txBody>
+      </p:sp>
+      <p:sp>
+        <p:nvSpPr>
+          <p:cNvPr id="8" name="テキスト ボックス 7">
+            <a:extLst>
+              <a:ext uri="{FF2B5EF4-FFF2-40B4-BE49-F238E27FC236}">
+                <a16:creationId xmlns:a16="http://schemas.microsoft.com/office/drawing/2014/main" id="{9E168F9C-88A3-7CA1-A103-42C9948BFF11}"/>
+              </a:ext>
+            </a:extLst>
+          </p:cNvPr>
+          <p:cNvSpPr txBox="1"/>
+          <p:nvPr/>
+        </p:nvSpPr>
+        <p:spPr>
+          <a:xfrm>
+            <a:off x="2045756" y="1328476"/>
+            <a:ext cx="1761060" cy="523220"/>
+          </a:xfrm>
+          <a:prstGeom prst="rect">
+            <a:avLst/>
+          </a:prstGeom>
+          <a:noFill/>
+        </p:spPr>
+        <p:txBody>
+          <a:bodyPr wrap="none" rtlCol="0">
+            <a:spAutoFit/>
+          </a:bodyPr>
+          <a:lstStyle/>
+          <a:p>
             <a:pPr algn="l"/>
             <a:r>
-              <a:rPr kumimoji="1" lang="ja-JP" altLang="en-US" dirty="0">
-                <a:solidFill>
-                  <a:srgbClr val="FF0000"/>
-                </a:solidFill>
-              </a:rPr>
-              <a:t>「</a:t>
-            </a:r>
-            <a:r>
-              <a:rPr kumimoji="1" lang="en-US" altLang="ja-JP" dirty="0">
-                <a:solidFill>
-                  <a:srgbClr val="FF0000"/>
-                </a:solidFill>
-              </a:rPr>
-              <a:t>PC</a:t>
-            </a:r>
-            <a:r>
-              <a:rPr kumimoji="1" lang="ja-JP" altLang="en-US" dirty="0">
-                <a:solidFill>
-                  <a:srgbClr val="FF0000"/>
-                </a:solidFill>
-              </a:rPr>
-              <a:t>を使えない」「小中学 理科実験レベルの配線もできない」人は想定外</a:t>
-            </a:r>
+              <a:rPr kumimoji="1" lang="en-US" altLang="ja-JP" sz="1400" dirty="0"/>
+              <a:t>Arduino</a:t>
+            </a:r>
+            <a:r>
+              <a:rPr kumimoji="1" lang="ja-JP" altLang="en-US" sz="1400" dirty="0"/>
+              <a:t>機種情報</a:t>
+            </a:r>
+            <a:endParaRPr kumimoji="1" lang="en-US" altLang="ja-JP" sz="1400" dirty="0"/>
+          </a:p>
+          <a:p>
+            <a:pPr algn="l"/>
+            <a:r>
+              <a:rPr kumimoji="1" lang="en-US" altLang="ja-JP" sz="1400" dirty="0"/>
+              <a:t>(MCU, </a:t>
+            </a:r>
+            <a:r>
+              <a:rPr kumimoji="1" lang="ja-JP" altLang="en-US" sz="1400" dirty="0"/>
+              <a:t>動作電圧等</a:t>
+            </a:r>
+            <a:r>
+              <a:rPr kumimoji="1" lang="en-US" altLang="ja-JP" sz="1400" dirty="0"/>
+              <a:t>)</a:t>
+            </a:r>
+            <a:endParaRPr kumimoji="1" lang="ja-JP" altLang="en-US" sz="1400" dirty="0"/>
+          </a:p>
+        </p:txBody>
+      </p:sp>
+      <p:sp>
+        <p:nvSpPr>
+          <p:cNvPr id="9" name="テキスト ボックス 8">
+            <a:extLst>
+              <a:ext uri="{FF2B5EF4-FFF2-40B4-BE49-F238E27FC236}">
+                <a16:creationId xmlns:a16="http://schemas.microsoft.com/office/drawing/2014/main" id="{A59540FA-E322-3D81-16FC-1DFADCEDBBF0}"/>
+              </a:ext>
+            </a:extLst>
+          </p:cNvPr>
+          <p:cNvSpPr txBox="1"/>
+          <p:nvPr/>
+        </p:nvSpPr>
+        <p:spPr>
+          <a:xfrm>
+            <a:off x="1094383" y="4564537"/>
+            <a:ext cx="1569660" cy="276999"/>
+          </a:xfrm>
+          <a:prstGeom prst="rect">
+            <a:avLst/>
+          </a:prstGeom>
+          <a:noFill/>
+        </p:spPr>
+        <p:txBody>
+          <a:bodyPr wrap="none" rtlCol="0">
+            <a:spAutoFit/>
+          </a:bodyPr>
+          <a:lstStyle/>
+          <a:p>
+            <a:pPr algn="l"/>
+            <a:r>
+              <a:rPr kumimoji="1" lang="ja-JP" altLang="en-US" sz="1200" dirty="0"/>
+              <a:t>仕様チェックアプリ</a:t>
+            </a:r>
+          </a:p>
+        </p:txBody>
+      </p:sp>
+      <p:pic>
+        <p:nvPicPr>
+          <p:cNvPr id="10" name="図 9">
+            <a:extLst>
+              <a:ext uri="{FF2B5EF4-FFF2-40B4-BE49-F238E27FC236}">
+                <a16:creationId xmlns:a16="http://schemas.microsoft.com/office/drawing/2014/main" id="{51C8455D-42BC-5183-64BC-299E76B662E7}"/>
+              </a:ext>
+            </a:extLst>
+          </p:cNvPr>
+          <p:cNvPicPr>
+            <a:picLocks noChangeAspect="1"/>
+          </p:cNvPicPr>
+          <p:nvPr/>
+        </p:nvPicPr>
+        <p:blipFill>
+          <a:blip r:embed="rId3"/>
+          <a:stretch>
+            <a:fillRect/>
+          </a:stretch>
+        </p:blipFill>
+        <p:spPr>
+          <a:xfrm>
+            <a:off x="1153235" y="2852981"/>
+            <a:ext cx="1386081" cy="1583752"/>
+          </a:xfrm>
+          <a:prstGeom prst="rect">
+            <a:avLst/>
+          </a:prstGeom>
+        </p:spPr>
+      </p:pic>
+      <p:sp>
+        <p:nvSpPr>
+          <p:cNvPr id="11" name="矢印: 下 10">
+            <a:extLst>
+              <a:ext uri="{FF2B5EF4-FFF2-40B4-BE49-F238E27FC236}">
+                <a16:creationId xmlns:a16="http://schemas.microsoft.com/office/drawing/2014/main" id="{9EF61E47-C64F-07D9-7084-EFD0C077BEC8}"/>
+              </a:ext>
+            </a:extLst>
+          </p:cNvPr>
+          <p:cNvSpPr/>
+          <p:nvPr/>
+        </p:nvSpPr>
+        <p:spPr>
+          <a:xfrm>
+            <a:off x="1498060" y="2375892"/>
+            <a:ext cx="447255" cy="391717"/>
+          </a:xfrm>
+          <a:prstGeom prst="downArrow">
+            <a:avLst/>
+          </a:prstGeom>
+          <a:solidFill>
+            <a:srgbClr val="FFFF00"/>
+          </a:solidFill>
+          <a:ln>
+            <a:solidFill>
+              <a:schemeClr val="bg1">
+                <a:lumMod val="75000"/>
+              </a:schemeClr>
+            </a:solidFill>
+          </a:ln>
+        </p:spPr>
+        <p:style>
+          <a:lnRef idx="2">
+            <a:schemeClr val="accent1">
+              <a:shade val="50000"/>
+            </a:schemeClr>
+          </a:lnRef>
+          <a:fillRef idx="1">
+            <a:schemeClr val="accent1"/>
+          </a:fillRef>
+          <a:effectRef idx="0">
+            <a:schemeClr val="accent1"/>
+          </a:effectRef>
+          <a:fontRef idx="minor">
+            <a:schemeClr val="lt1"/>
+          </a:fontRef>
+        </p:style>
+        <p:txBody>
+          <a:bodyPr rtlCol="0" anchor="ctr"/>
+          <a:lstStyle/>
+          <a:p>
+            <a:pPr algn="ctr"/>
+            <a:endParaRPr kumimoji="1" lang="ja-JP" altLang="en-US" dirty="0" err="1">
+              <a:solidFill>
+                <a:schemeClr val="tx1"/>
+              </a:solidFill>
+            </a:endParaRPr>
+          </a:p>
+        </p:txBody>
+      </p:sp>
+      <p:sp>
+        <p:nvSpPr>
+          <p:cNvPr id="12" name="四角形: 角を丸くする 11">
+            <a:extLst>
+              <a:ext uri="{FF2B5EF4-FFF2-40B4-BE49-F238E27FC236}">
+                <a16:creationId xmlns:a16="http://schemas.microsoft.com/office/drawing/2014/main" id="{F84BD996-DFDF-00B3-15E3-3E7511A90D88}"/>
+              </a:ext>
+            </a:extLst>
+          </p:cNvPr>
+          <p:cNvSpPr/>
+          <p:nvPr/>
+        </p:nvSpPr>
+        <p:spPr>
+          <a:xfrm>
+            <a:off x="343711" y="1170835"/>
+            <a:ext cx="3463105" cy="1077253"/>
+          </a:xfrm>
+          <a:prstGeom prst="roundRect">
+            <a:avLst/>
+          </a:prstGeom>
+          <a:noFill/>
+          <a:ln>
+            <a:solidFill>
+              <a:schemeClr val="tx1">
+                <a:lumMod val="50000"/>
+                <a:lumOff val="50000"/>
+              </a:schemeClr>
+            </a:solidFill>
+            <a:prstDash val="dash"/>
+          </a:ln>
+        </p:spPr>
+        <p:style>
+          <a:lnRef idx="2">
+            <a:schemeClr val="accent1">
+              <a:shade val="50000"/>
+            </a:schemeClr>
+          </a:lnRef>
+          <a:fillRef idx="1">
+            <a:schemeClr val="accent1"/>
+          </a:fillRef>
+          <a:effectRef idx="0">
+            <a:schemeClr val="accent1"/>
+          </a:effectRef>
+          <a:fontRef idx="minor">
+            <a:schemeClr val="lt1"/>
+          </a:fontRef>
+        </p:style>
+        <p:txBody>
+          <a:bodyPr rtlCol="0" anchor="ctr"/>
+          <a:lstStyle/>
+          <a:p>
+            <a:pPr algn="ctr"/>
+            <a:endParaRPr kumimoji="1" lang="ja-JP" altLang="en-US" dirty="0" err="1">
+              <a:solidFill>
+                <a:schemeClr val="tx1"/>
+              </a:solidFill>
+            </a:endParaRPr>
           </a:p>
         </p:txBody>
       </p:sp>
     </p:spTree>
     <p:extLst>
       <p:ext uri="{BB962C8B-B14F-4D97-AF65-F5344CB8AC3E}">
-        <p14:creationId xmlns:p14="http://schemas.microsoft.com/office/powerpoint/2010/main" val="823133133"/>
+        <p14:creationId xmlns:p14="http://schemas.microsoft.com/office/powerpoint/2010/main" val="262102596"/>
       </p:ext>
     </p:extLst>
   </p:cSld>
